--- a/example1.pptx
+++ b/example1.pptx
@@ -1,11 +1,15 @@
 
 <file path=ppt/presentation.xml><?xml version="1.0" encoding="utf-8"?>
-<p:presentation xmlns:a="http://schemas.openxmlformats.org/drawingml/2006/main" xmlns:r="http://schemas.openxmlformats.org/officeDocument/2006/relationships" xmlns:p="http://schemas.openxmlformats.org/presentationml/2006/main" saveSubsetFonts="1">
+<p:presentation xmlns:a="http://schemas.openxmlformats.org/drawingml/2006/main" xmlns:p="http://schemas.openxmlformats.org/presentationml/2006/main" xmlns:r="http://schemas.openxmlformats.org/officeDocument/2006/relationships" saveSubsetFonts="1">
   <p:sldMasterIdLst>
     <p:sldMasterId id="2147483660" r:id="rId1"/>
   </p:sldMasterIdLst>
   <p:sldIdLst>
-    <p:sldId id="256" r:id="rId2"/>
+    <p:sldId id="258" r:id="rId2"/>
+    <p:sldId id="259" r:id="rId7"/>
+    <p:sldId id="260" r:id="rId8"/>
+    <p:sldId id="261" r:id="rId9"/>
+    <p:sldId id="262" r:id="rId10"/>
   </p:sldIdLst>
   <p:sldSz cx="9144000" cy="6858000" type="screen4x3"/>
   <p:notesSz cx="6858000" cy="9144000"/>
@@ -13,8 +17,8 @@
     <a:defPPr>
       <a:defRPr lang="en-US"/>
     </a:defPPr>
-    <a:lvl1pPr marL="0" algn="l" defTabSz="914400" rtl="0" eaLnBrk="1" latinLnBrk="0" hangingPunct="1">
-      <a:defRPr sz="1800" kern="1200">
+    <a:lvl1pPr algn="l" defTabSz="914400" eaLnBrk="1" hangingPunct="1" latinLnBrk="0" marL="0" rtl="0">
+      <a:defRPr kern="1200" sz="1800">
         <a:solidFill>
           <a:schemeClr val="tx1"/>
         </a:solidFill>
@@ -23,8 +27,8 @@
         <a:cs typeface="+mn-cs"/>
       </a:defRPr>
     </a:lvl1pPr>
-    <a:lvl2pPr marL="457200" algn="l" defTabSz="914400" rtl="0" eaLnBrk="1" latinLnBrk="0" hangingPunct="1">
-      <a:defRPr sz="1800" kern="1200">
+    <a:lvl2pPr algn="l" defTabSz="914400" eaLnBrk="1" hangingPunct="1" latinLnBrk="0" marL="457200" rtl="0">
+      <a:defRPr kern="1200" sz="1800">
         <a:solidFill>
           <a:schemeClr val="tx1"/>
         </a:solidFill>
@@ -33,8 +37,8 @@
         <a:cs typeface="+mn-cs"/>
       </a:defRPr>
     </a:lvl2pPr>
-    <a:lvl3pPr marL="914400" algn="l" defTabSz="914400" rtl="0" eaLnBrk="1" latinLnBrk="0" hangingPunct="1">
-      <a:defRPr sz="1800" kern="1200">
+    <a:lvl3pPr algn="l" defTabSz="914400" eaLnBrk="1" hangingPunct="1" latinLnBrk="0" marL="914400" rtl="0">
+      <a:defRPr kern="1200" sz="1800">
         <a:solidFill>
           <a:schemeClr val="tx1"/>
         </a:solidFill>
@@ -43,8 +47,8 @@
         <a:cs typeface="+mn-cs"/>
       </a:defRPr>
     </a:lvl3pPr>
-    <a:lvl4pPr marL="1371600" algn="l" defTabSz="914400" rtl="0" eaLnBrk="1" latinLnBrk="0" hangingPunct="1">
-      <a:defRPr sz="1800" kern="1200">
+    <a:lvl4pPr algn="l" defTabSz="914400" eaLnBrk="1" hangingPunct="1" latinLnBrk="0" marL="1371600" rtl="0">
+      <a:defRPr kern="1200" sz="1800">
         <a:solidFill>
           <a:schemeClr val="tx1"/>
         </a:solidFill>
@@ -53,8 +57,8 @@
         <a:cs typeface="+mn-cs"/>
       </a:defRPr>
     </a:lvl4pPr>
-    <a:lvl5pPr marL="1828800" algn="l" defTabSz="914400" rtl="0" eaLnBrk="1" latinLnBrk="0" hangingPunct="1">
-      <a:defRPr sz="1800" kern="1200">
+    <a:lvl5pPr algn="l" defTabSz="914400" eaLnBrk="1" hangingPunct="1" latinLnBrk="0" marL="1828800" rtl="0">
+      <a:defRPr kern="1200" sz="1800">
         <a:solidFill>
           <a:schemeClr val="tx1"/>
         </a:solidFill>
@@ -63,8 +67,8 @@
         <a:cs typeface="+mn-cs"/>
       </a:defRPr>
     </a:lvl5pPr>
-    <a:lvl6pPr marL="2286000" algn="l" defTabSz="914400" rtl="0" eaLnBrk="1" latinLnBrk="0" hangingPunct="1">
-      <a:defRPr sz="1800" kern="1200">
+    <a:lvl6pPr algn="l" defTabSz="914400" eaLnBrk="1" hangingPunct="1" latinLnBrk="0" marL="2286000" rtl="0">
+      <a:defRPr kern="1200" sz="1800">
         <a:solidFill>
           <a:schemeClr val="tx1"/>
         </a:solidFill>
@@ -73,8 +77,8 @@
         <a:cs typeface="+mn-cs"/>
       </a:defRPr>
     </a:lvl6pPr>
-    <a:lvl7pPr marL="2743200" algn="l" defTabSz="914400" rtl="0" eaLnBrk="1" latinLnBrk="0" hangingPunct="1">
-      <a:defRPr sz="1800" kern="1200">
+    <a:lvl7pPr algn="l" defTabSz="914400" eaLnBrk="1" hangingPunct="1" latinLnBrk="0" marL="2743200" rtl="0">
+      <a:defRPr kern="1200" sz="1800">
         <a:solidFill>
           <a:schemeClr val="tx1"/>
         </a:solidFill>
@@ -83,8 +87,8 @@
         <a:cs typeface="+mn-cs"/>
       </a:defRPr>
     </a:lvl7pPr>
-    <a:lvl8pPr marL="3200400" algn="l" defTabSz="914400" rtl="0" eaLnBrk="1" latinLnBrk="0" hangingPunct="1">
-      <a:defRPr sz="1800" kern="1200">
+    <a:lvl8pPr algn="l" defTabSz="914400" eaLnBrk="1" hangingPunct="1" latinLnBrk="0" marL="3200400" rtl="0">
+      <a:defRPr kern="1200" sz="1800">
         <a:solidFill>
           <a:schemeClr val="tx1"/>
         </a:solidFill>
@@ -93,8 +97,8 @@
         <a:cs typeface="+mn-cs"/>
       </a:defRPr>
     </a:lvl8pPr>
-    <a:lvl9pPr marL="3657600" algn="l" defTabSz="914400" rtl="0" eaLnBrk="1" latinLnBrk="0" hangingPunct="1">
-      <a:defRPr sz="1800" kern="1200">
+    <a:lvl9pPr algn="l" defTabSz="914400" eaLnBrk="1" hangingPunct="1" latinLnBrk="0" marL="3657600" rtl="0">
+      <a:defRPr kern="1200" sz="1800">
         <a:solidFill>
           <a:schemeClr val="tx1"/>
         </a:solidFill>
@@ -124,7 +128,7 @@
 </file>
 
 <file path=ppt/slideLayouts/slideLayout1.xml><?xml version="1.0" encoding="utf-8"?>
-<p:sldLayout xmlns:a="http://schemas.openxmlformats.org/drawingml/2006/main" xmlns:r="http://schemas.openxmlformats.org/officeDocument/2006/relationships" xmlns:p="http://schemas.openxmlformats.org/presentationml/2006/main" showMasterSp="0" type="title" preserve="1">
+<p:sldLayout xmlns:a="http://schemas.openxmlformats.org/drawingml/2006/main" xmlns:p="http://schemas.openxmlformats.org/presentationml/2006/main" xmlns:r="http://schemas.openxmlformats.org/officeDocument/2006/relationships" preserve="1" showMasterSp="0" type="title">
   <p:cSld name="Diapositiva de título">
     <p:spTree>
       <p:nvGrpSpPr>
@@ -244,9 +248,9 @@
               <a:gdLst/>
               <a:ahLst/>
               <a:cxnLst/>
-              <a:rect l="l" t="t" r="r" b="b"/>
+              <a:rect b="b" l="l" r="r" t="t"/>
               <a:pathLst>
-                <a:path w="2269442" h="6866466">
+                <a:path h="6866466" w="2269442">
                   <a:moveTo>
                     <a:pt x="2023534" y="0"/>
                   </a:moveTo>
@@ -309,9 +313,9 @@
               <a:gdLst/>
               <a:ahLst/>
               <a:cxnLst/>
-              <a:rect l="l" t="t" r="r" b="b"/>
+              <a:rect b="b" l="l" r="r" t="t"/>
               <a:pathLst>
-                <a:path w="1948147" h="6866467">
+                <a:path h="6866467" w="1948147">
                   <a:moveTo>
                     <a:pt x="0" y="0"/>
                   </a:moveTo>
@@ -374,9 +378,9 @@
               <a:gdLst/>
               <a:ahLst/>
               <a:cxnLst/>
-              <a:rect l="l" t="t" r="r" b="b"/>
+              <a:rect b="b" l="l" r="r" t="t"/>
               <a:pathLst>
-                <a:path w="3259667" h="3810000">
+                <a:path h="3810000" w="3259667">
                   <a:moveTo>
                     <a:pt x="0" y="3810000"/>
                   </a:moveTo>
@@ -436,9 +440,9 @@
               <a:gdLst/>
               <a:ahLst/>
               <a:cxnLst/>
-              <a:rect l="l" t="t" r="r" b="b"/>
+              <a:rect b="b" l="l" r="r" t="t"/>
               <a:pathLst>
-                <a:path w="2853267" h="6866467">
+                <a:path h="6866467" w="2853267">
                   <a:moveTo>
                     <a:pt x="0" y="0"/>
                   </a:moveTo>
@@ -500,9 +504,9 @@
               <a:gdLst/>
               <a:ahLst/>
               <a:cxnLst/>
-              <a:rect l="l" t="t" r="r" b="b"/>
+              <a:rect b="b" l="l" r="r" t="t"/>
               <a:pathLst>
-                <a:path w="1286933" h="6866467">
+                <a:path h="6866467" w="1286933">
                   <a:moveTo>
                     <a:pt x="1016000" y="0"/>
                   </a:moveTo>
@@ -567,9 +571,9 @@
               <a:gdLst/>
               <a:ahLst/>
               <a:cxnLst/>
-              <a:rect l="l" t="t" r="r" b="b"/>
+              <a:rect b="b" l="l" r="r" t="t"/>
               <a:pathLst>
-                <a:path w="1270244" h="6866467">
+                <a:path h="6866467" w="1270244">
                   <a:moveTo>
                     <a:pt x="0" y="0"/>
                   </a:moveTo>
@@ -632,9 +636,9 @@
               <a:gdLst/>
               <a:ahLst/>
               <a:cxnLst/>
-              <a:rect l="l" t="t" r="r" b="b"/>
+              <a:rect b="b" l="l" r="r" t="t"/>
               <a:pathLst>
-                <a:path w="1820333" h="3268133">
+                <a:path h="3268133" w="1820333">
                   <a:moveTo>
                     <a:pt x="0" y="3268133"/>
                   </a:moveTo>
@@ -694,9 +698,9 @@
               <a:gdLst/>
               <a:ahLst/>
               <a:cxnLst/>
-              <a:rect l="l" t="t" r="r" b="b"/>
+              <a:rect b="b" l="l" r="r" t="t"/>
               <a:pathLst>
-                <a:path w="863600" h="5698067">
+                <a:path h="5698067" w="863600">
                   <a:moveTo>
                     <a:pt x="0" y="8467"/>
                   </a:moveTo>
@@ -776,7 +780,7 @@
               <a:rPr lang="es-ES" smtClean="0"/>
               <a:t>Haga clic para modificar el estilo de título del patrón</a:t>
             </a:r>
-            <a:endParaRPr lang="en-US" dirty="0"/>
+            <a:endParaRPr dirty="0" lang="en-US"/>
           </a:p>
         </p:txBody>
       </p:sp>
@@ -787,7 +791,7 @@
             <a:spLocks noGrp="1"/>
           </p:cNvSpPr>
           <p:nvPr>
-            <p:ph type="subTitle" idx="1"/>
+            <p:ph idx="1" type="subTitle"/>
           </p:nvPr>
         </p:nvSpPr>
         <p:spPr>
@@ -799,7 +803,7 @@
         <p:txBody>
           <a:bodyPr anchor="t"/>
           <a:lstStyle>
-            <a:lvl1pPr marL="0" indent="0" algn="r">
+            <a:lvl1pPr algn="r" indent="0" marL="0">
               <a:buNone/>
               <a:defRPr>
                 <a:solidFill>
@@ -810,7 +814,7 @@
                 </a:solidFill>
               </a:defRPr>
             </a:lvl1pPr>
-            <a:lvl2pPr marL="457200" indent="0" algn="ctr">
+            <a:lvl2pPr algn="ctr" indent="0" marL="457200">
               <a:buNone/>
               <a:defRPr>
                 <a:solidFill>
@@ -820,7 +824,7 @@
                 </a:solidFill>
               </a:defRPr>
             </a:lvl2pPr>
-            <a:lvl3pPr marL="914400" indent="0" algn="ctr">
+            <a:lvl3pPr algn="ctr" indent="0" marL="914400">
               <a:buNone/>
               <a:defRPr>
                 <a:solidFill>
@@ -830,7 +834,7 @@
                 </a:solidFill>
               </a:defRPr>
             </a:lvl3pPr>
-            <a:lvl4pPr marL="1371600" indent="0" algn="ctr">
+            <a:lvl4pPr algn="ctr" indent="0" marL="1371600">
               <a:buNone/>
               <a:defRPr>
                 <a:solidFill>
@@ -840,7 +844,7 @@
                 </a:solidFill>
               </a:defRPr>
             </a:lvl4pPr>
-            <a:lvl5pPr marL="1828800" indent="0" algn="ctr">
+            <a:lvl5pPr algn="ctr" indent="0" marL="1828800">
               <a:buNone/>
               <a:defRPr>
                 <a:solidFill>
@@ -850,7 +854,7 @@
                 </a:solidFill>
               </a:defRPr>
             </a:lvl5pPr>
-            <a:lvl6pPr marL="2286000" indent="0" algn="ctr">
+            <a:lvl6pPr algn="ctr" indent="0" marL="2286000">
               <a:buNone/>
               <a:defRPr>
                 <a:solidFill>
@@ -860,7 +864,7 @@
                 </a:solidFill>
               </a:defRPr>
             </a:lvl6pPr>
-            <a:lvl7pPr marL="2743200" indent="0" algn="ctr">
+            <a:lvl7pPr algn="ctr" indent="0" marL="2743200">
               <a:buNone/>
               <a:defRPr>
                 <a:solidFill>
@@ -870,7 +874,7 @@
                 </a:solidFill>
               </a:defRPr>
             </a:lvl7pPr>
-            <a:lvl8pPr marL="3200400" indent="0" algn="ctr">
+            <a:lvl8pPr algn="ctr" indent="0" marL="3200400">
               <a:buNone/>
               <a:defRPr>
                 <a:solidFill>
@@ -880,7 +884,7 @@
                 </a:solidFill>
               </a:defRPr>
             </a:lvl8pPr>
-            <a:lvl9pPr marL="3657600" indent="0" algn="ctr">
+            <a:lvl9pPr algn="ctr" indent="0" marL="3657600">
               <a:buNone/>
               <a:defRPr>
                 <a:solidFill>
@@ -896,7 +900,7 @@
               <a:rPr lang="es-ES" smtClean="0"/>
               <a:t>Haga clic para modificar el estilo de subtítulo del patrón</a:t>
             </a:r>
-            <a:endParaRPr lang="en-US" dirty="0"/>
+            <a:endParaRPr dirty="0" lang="en-US"/>
           </a:p>
         </p:txBody>
       </p:sp>
@@ -907,7 +911,7 @@
             <a:spLocks noGrp="1"/>
           </p:cNvSpPr>
           <p:nvPr>
-            <p:ph type="dt" sz="half" idx="10"/>
+            <p:ph idx="10" sz="half" type="dt"/>
           </p:nvPr>
         </p:nvSpPr>
         <p:spPr/>
@@ -918,7 +922,7 @@
             <a:fld id="{1D8BD707-D9CF-40AE-B4C6-C98DA3205C09}" type="datetimeFigureOut">
               <a:rPr lang="en-US" smtClean="0"/>
               <a:pPr/>
-              <a:t>5/12/2017</a:t>
+              <a:t>5/13/2017</a:t>
             </a:fld>
             <a:endParaRPr lang="en-US"/>
           </a:p>
@@ -931,7 +935,7 @@
             <a:spLocks noGrp="1"/>
           </p:cNvSpPr>
           <p:nvPr>
-            <p:ph type="ftr" sz="quarter" idx="11"/>
+            <p:ph idx="11" sz="quarter" type="ftr"/>
           </p:nvPr>
         </p:nvSpPr>
         <p:spPr/>
@@ -950,7 +954,7 @@
             <a:spLocks noGrp="1"/>
           </p:cNvSpPr>
           <p:nvPr>
-            <p:ph type="sldNum" sz="quarter" idx="12"/>
+            <p:ph idx="12" sz="quarter" type="sldNum"/>
           </p:nvPr>
         </p:nvSpPr>
         <p:spPr/>
@@ -981,7 +985,7 @@
 </file>
 
 <file path=ppt/slideLayouts/slideLayout10.xml><?xml version="1.0" encoding="utf-8"?>
-<p:sldLayout xmlns:a="http://schemas.openxmlformats.org/drawingml/2006/main" xmlns:r="http://schemas.openxmlformats.org/officeDocument/2006/relationships" xmlns:p="http://schemas.openxmlformats.org/presentationml/2006/main" preserve="1">
+<p:sldLayout xmlns:a="http://schemas.openxmlformats.org/drawingml/2006/main" xmlns:p="http://schemas.openxmlformats.org/presentationml/2006/main" xmlns:r="http://schemas.openxmlformats.org/officeDocument/2006/relationships" preserve="1">
   <p:cSld name="Título y descripción">
     <p:spTree>
       <p:nvGrpSpPr>
@@ -1019,7 +1023,7 @@
           </a:bodyPr>
           <a:lstStyle>
             <a:lvl1pPr algn="l">
-              <a:defRPr sz="4400" b="0" cap="none"/>
+              <a:defRPr b="0" cap="none" sz="4400"/>
             </a:lvl1pPr>
           </a:lstStyle>
           <a:p>
@@ -1027,7 +1031,7 @@
               <a:rPr lang="es-ES" smtClean="0"/>
               <a:t>Haga clic para modificar el estilo de título del patrón</a:t>
             </a:r>
-            <a:endParaRPr lang="en-US" dirty="0"/>
+            <a:endParaRPr dirty="0" lang="en-US"/>
           </a:p>
         </p:txBody>
       </p:sp>
@@ -1038,7 +1042,7 @@
             <a:spLocks noGrp="1"/>
           </p:cNvSpPr>
           <p:nvPr>
-            <p:ph type="body" idx="1"/>
+            <p:ph idx="1" type="body"/>
           </p:nvPr>
         </p:nvSpPr>
         <p:spPr>
@@ -1052,7 +1056,7 @@
             <a:normAutofit/>
           </a:bodyPr>
           <a:lstStyle>
-            <a:lvl1pPr marL="0" indent="0" algn="l">
+            <a:lvl1pPr algn="l" indent="0" marL="0">
               <a:buNone/>
               <a:defRPr sz="1800">
                 <a:solidFill>
@@ -1063,7 +1067,7 @@
                 </a:solidFill>
               </a:defRPr>
             </a:lvl1pPr>
-            <a:lvl2pPr marL="457200" indent="0">
+            <a:lvl2pPr indent="0" marL="457200">
               <a:buNone/>
               <a:defRPr sz="1800">
                 <a:solidFill>
@@ -1073,7 +1077,7 @@
                 </a:solidFill>
               </a:defRPr>
             </a:lvl2pPr>
-            <a:lvl3pPr marL="914400" indent="0">
+            <a:lvl3pPr indent="0" marL="914400">
               <a:buNone/>
               <a:defRPr sz="1600">
                 <a:solidFill>
@@ -1083,7 +1087,7 @@
                 </a:solidFill>
               </a:defRPr>
             </a:lvl3pPr>
-            <a:lvl4pPr marL="1371600" indent="0">
+            <a:lvl4pPr indent="0" marL="1371600">
               <a:buNone/>
               <a:defRPr sz="1400">
                 <a:solidFill>
@@ -1093,7 +1097,7 @@
                 </a:solidFill>
               </a:defRPr>
             </a:lvl4pPr>
-            <a:lvl5pPr marL="1828800" indent="0">
+            <a:lvl5pPr indent="0" marL="1828800">
               <a:buNone/>
               <a:defRPr sz="1400">
                 <a:solidFill>
@@ -1103,7 +1107,7 @@
                 </a:solidFill>
               </a:defRPr>
             </a:lvl5pPr>
-            <a:lvl6pPr marL="2286000" indent="0">
+            <a:lvl6pPr indent="0" marL="2286000">
               <a:buNone/>
               <a:defRPr sz="1400">
                 <a:solidFill>
@@ -1113,7 +1117,7 @@
                 </a:solidFill>
               </a:defRPr>
             </a:lvl6pPr>
-            <a:lvl7pPr marL="2743200" indent="0">
+            <a:lvl7pPr indent="0" marL="2743200">
               <a:buNone/>
               <a:defRPr sz="1400">
                 <a:solidFill>
@@ -1123,7 +1127,7 @@
                 </a:solidFill>
               </a:defRPr>
             </a:lvl7pPr>
-            <a:lvl8pPr marL="3200400" indent="0">
+            <a:lvl8pPr indent="0" marL="3200400">
               <a:buNone/>
               <a:defRPr sz="1400">
                 <a:solidFill>
@@ -1133,7 +1137,7 @@
                 </a:solidFill>
               </a:defRPr>
             </a:lvl8pPr>
-            <a:lvl9pPr marL="3657600" indent="0">
+            <a:lvl9pPr indent="0" marL="3657600">
               <a:buNone/>
               <a:defRPr sz="1400">
                 <a:solidFill>
@@ -1160,7 +1164,7 @@
             <a:spLocks noGrp="1"/>
           </p:cNvSpPr>
           <p:nvPr>
-            <p:ph type="dt" sz="half" idx="10"/>
+            <p:ph idx="10" sz="half" type="dt"/>
           </p:nvPr>
         </p:nvSpPr>
         <p:spPr/>
@@ -1171,7 +1175,7 @@
             <a:fld id="{1D8BD707-D9CF-40AE-B4C6-C98DA3205C09}" type="datetimeFigureOut">
               <a:rPr lang="en-US" smtClean="0"/>
               <a:pPr/>
-              <a:t>5/12/2017</a:t>
+              <a:t>5/13/2017</a:t>
             </a:fld>
             <a:endParaRPr lang="en-US"/>
           </a:p>
@@ -1184,7 +1188,7 @@
             <a:spLocks noGrp="1"/>
           </p:cNvSpPr>
           <p:nvPr>
-            <p:ph type="ftr" sz="quarter" idx="11"/>
+            <p:ph idx="11" sz="quarter" type="ftr"/>
           </p:nvPr>
         </p:nvSpPr>
         <p:spPr/>
@@ -1203,7 +1207,7 @@
             <a:spLocks noGrp="1"/>
           </p:cNvSpPr>
           <p:nvPr>
-            <p:ph type="sldNum" sz="quarter" idx="12"/>
+            <p:ph idx="12" sz="quarter" type="sldNum"/>
           </p:nvPr>
         </p:nvSpPr>
         <p:spPr/>
@@ -1234,7 +1238,7 @@
 </file>
 
 <file path=ppt/slideLayouts/slideLayout11.xml><?xml version="1.0" encoding="utf-8"?>
-<p:sldLayout xmlns:a="http://schemas.openxmlformats.org/drawingml/2006/main" xmlns:r="http://schemas.openxmlformats.org/officeDocument/2006/relationships" xmlns:p="http://schemas.openxmlformats.org/presentationml/2006/main" preserve="1">
+<p:sldLayout xmlns:a="http://schemas.openxmlformats.org/drawingml/2006/main" xmlns:p="http://schemas.openxmlformats.org/presentationml/2006/main" xmlns:r="http://schemas.openxmlformats.org/officeDocument/2006/relationships" preserve="1">
   <p:cSld name="Cita con descripción">
     <p:spTree>
       <p:nvGrpSpPr>
@@ -1272,7 +1276,7 @@
           </a:bodyPr>
           <a:lstStyle>
             <a:lvl1pPr algn="l">
-              <a:defRPr sz="4400" b="0" cap="none"/>
+              <a:defRPr b="0" cap="none" sz="4400"/>
             </a:lvl1pPr>
           </a:lstStyle>
           <a:p>
@@ -1280,7 +1284,7 @@
               <a:rPr lang="es-ES" smtClean="0"/>
               <a:t>Haga clic para modificar el estilo de título del patrón</a:t>
             </a:r>
-            <a:endParaRPr lang="en-US" dirty="0"/>
+            <a:endParaRPr dirty="0" lang="en-US"/>
           </a:p>
         </p:txBody>
       </p:sp>
@@ -1291,7 +1295,7 @@
             <a:spLocks noGrp="1"/>
           </p:cNvSpPr>
           <p:nvPr>
-            <p:ph type="body" sz="quarter" idx="13"/>
+            <p:ph idx="13" sz="quarter" type="body"/>
           </p:nvPr>
         </p:nvSpPr>
         <p:spPr>
@@ -1305,7 +1309,7 @@
             <a:noAutofit/>
           </a:bodyPr>
           <a:lstStyle>
-            <a:lvl1pPr marL="0" indent="0">
+            <a:lvl1pPr indent="0" marL="0">
               <a:buFontTx/>
               <a:buNone/>
               <a:defRPr sz="1600">
@@ -1317,22 +1321,22 @@
                 </a:solidFill>
               </a:defRPr>
             </a:lvl1pPr>
-            <a:lvl2pPr marL="457200" indent="0">
+            <a:lvl2pPr indent="0" marL="457200">
               <a:buFontTx/>
               <a:buNone/>
               <a:defRPr/>
             </a:lvl2pPr>
-            <a:lvl3pPr marL="914400" indent="0">
+            <a:lvl3pPr indent="0" marL="914400">
               <a:buFontTx/>
               <a:buNone/>
               <a:defRPr/>
             </a:lvl3pPr>
-            <a:lvl4pPr marL="1371600" indent="0">
+            <a:lvl4pPr indent="0" marL="1371600">
               <a:buFontTx/>
               <a:buNone/>
               <a:defRPr/>
             </a:lvl4pPr>
-            <a:lvl5pPr marL="1828800" indent="0">
+            <a:lvl5pPr indent="0" marL="1828800">
               <a:buFontTx/>
               <a:buNone/>
               <a:defRPr/>
@@ -1354,7 +1358,7 @@
             <a:spLocks noGrp="1"/>
           </p:cNvSpPr>
           <p:nvPr>
-            <p:ph type="body" idx="1"/>
+            <p:ph idx="1" type="body"/>
           </p:nvPr>
         </p:nvSpPr>
         <p:spPr>
@@ -1368,7 +1372,7 @@
             <a:normAutofit/>
           </a:bodyPr>
           <a:lstStyle>
-            <a:lvl1pPr marL="0" indent="0" algn="l">
+            <a:lvl1pPr algn="l" indent="0" marL="0">
               <a:buNone/>
               <a:defRPr sz="1800">
                 <a:solidFill>
@@ -1379,7 +1383,7 @@
                 </a:solidFill>
               </a:defRPr>
             </a:lvl1pPr>
-            <a:lvl2pPr marL="457200" indent="0">
+            <a:lvl2pPr indent="0" marL="457200">
               <a:buNone/>
               <a:defRPr sz="1800">
                 <a:solidFill>
@@ -1389,7 +1393,7 @@
                 </a:solidFill>
               </a:defRPr>
             </a:lvl2pPr>
-            <a:lvl3pPr marL="914400" indent="0">
+            <a:lvl3pPr indent="0" marL="914400">
               <a:buNone/>
               <a:defRPr sz="1600">
                 <a:solidFill>
@@ -1399,7 +1403,7 @@
                 </a:solidFill>
               </a:defRPr>
             </a:lvl3pPr>
-            <a:lvl4pPr marL="1371600" indent="0">
+            <a:lvl4pPr indent="0" marL="1371600">
               <a:buNone/>
               <a:defRPr sz="1400">
                 <a:solidFill>
@@ -1409,7 +1413,7 @@
                 </a:solidFill>
               </a:defRPr>
             </a:lvl4pPr>
-            <a:lvl5pPr marL="1828800" indent="0">
+            <a:lvl5pPr indent="0" marL="1828800">
               <a:buNone/>
               <a:defRPr sz="1400">
                 <a:solidFill>
@@ -1419,7 +1423,7 @@
                 </a:solidFill>
               </a:defRPr>
             </a:lvl5pPr>
-            <a:lvl6pPr marL="2286000" indent="0">
+            <a:lvl6pPr indent="0" marL="2286000">
               <a:buNone/>
               <a:defRPr sz="1400">
                 <a:solidFill>
@@ -1429,7 +1433,7 @@
                 </a:solidFill>
               </a:defRPr>
             </a:lvl6pPr>
-            <a:lvl7pPr marL="2743200" indent="0">
+            <a:lvl7pPr indent="0" marL="2743200">
               <a:buNone/>
               <a:defRPr sz="1400">
                 <a:solidFill>
@@ -1439,7 +1443,7 @@
                 </a:solidFill>
               </a:defRPr>
             </a:lvl7pPr>
-            <a:lvl8pPr marL="3200400" indent="0">
+            <a:lvl8pPr indent="0" marL="3200400">
               <a:buNone/>
               <a:defRPr sz="1400">
                 <a:solidFill>
@@ -1449,7 +1453,7 @@
                 </a:solidFill>
               </a:defRPr>
             </a:lvl8pPr>
-            <a:lvl9pPr marL="3657600" indent="0">
+            <a:lvl9pPr indent="0" marL="3657600">
               <a:buNone/>
               <a:defRPr sz="1400">
                 <a:solidFill>
@@ -1476,7 +1480,7 @@
             <a:spLocks noGrp="1"/>
           </p:cNvSpPr>
           <p:nvPr>
-            <p:ph type="dt" sz="half" idx="10"/>
+            <p:ph idx="10" sz="half" type="dt"/>
           </p:nvPr>
         </p:nvSpPr>
         <p:spPr/>
@@ -1487,7 +1491,7 @@
             <a:fld id="{1D8BD707-D9CF-40AE-B4C6-C98DA3205C09}" type="datetimeFigureOut">
               <a:rPr lang="en-US" smtClean="0"/>
               <a:pPr/>
-              <a:t>5/12/2017</a:t>
+              <a:t>5/13/2017</a:t>
             </a:fld>
             <a:endParaRPr lang="en-US"/>
           </a:p>
@@ -1500,7 +1504,7 @@
             <a:spLocks noGrp="1"/>
           </p:cNvSpPr>
           <p:nvPr>
-            <p:ph type="ftr" sz="quarter" idx="11"/>
+            <p:ph idx="11" sz="quarter" type="ftr"/>
           </p:nvPr>
         </p:nvSpPr>
         <p:spPr/>
@@ -1519,7 +1523,7 @@
             <a:spLocks noGrp="1"/>
           </p:cNvSpPr>
           <p:nvPr>
-            <p:ph type="sldNum" sz="quarter" idx="12"/>
+            <p:ph idx="12" sz="quarter" type="sldNum"/>
           </p:nvPr>
         </p:nvSpPr>
         <p:spPr/>
@@ -1552,15 +1556,15 @@
           </a:prstGeom>
         </p:spPr>
         <p:txBody>
-          <a:bodyPr vert="horz" lIns="91440" tIns="45720" rIns="91440" bIns="45720" rtlCol="0" anchor="ctr">
+          <a:bodyPr anchor="ctr" bIns="45720" lIns="91440" rIns="91440" rtlCol="0" tIns="45720" vert="horz">
             <a:noAutofit/>
           </a:bodyPr>
           <a:lstStyle/>
           <a:p>
             <a:pPr lvl="0"/>
             <a:r>
-              <a:rPr lang="en-US" sz="8000" baseline="0" dirty="0">
-                <a:ln w="3175" cmpd="sng">
+              <a:rPr baseline="0" dirty="0" lang="en-US" sz="8000">
+                <a:ln cmpd="sng" w="3175">
                   <a:noFill/>
                 </a:ln>
                 <a:solidFill>
@@ -1593,15 +1597,15 @@
           </a:prstGeom>
         </p:spPr>
         <p:txBody>
-          <a:bodyPr vert="horz" lIns="91440" tIns="45720" rIns="91440" bIns="45720" rtlCol="0" anchor="ctr">
+          <a:bodyPr anchor="ctr" bIns="45720" lIns="91440" rIns="91440" rtlCol="0" tIns="45720" vert="horz">
             <a:noAutofit/>
           </a:bodyPr>
           <a:lstStyle/>
           <a:p>
             <a:pPr lvl="0"/>
             <a:r>
-              <a:rPr lang="en-US" sz="8000" baseline="0" dirty="0">
-                <a:ln w="3175" cmpd="sng">
+              <a:rPr baseline="0" dirty="0" lang="en-US" sz="8000">
+                <a:ln cmpd="sng" w="3175">
                   <a:noFill/>
                 </a:ln>
                 <a:solidFill>
@@ -1632,7 +1636,7 @@
 </file>
 
 <file path=ppt/slideLayouts/slideLayout12.xml><?xml version="1.0" encoding="utf-8"?>
-<p:sldLayout xmlns:a="http://schemas.openxmlformats.org/drawingml/2006/main" xmlns:r="http://schemas.openxmlformats.org/officeDocument/2006/relationships" xmlns:p="http://schemas.openxmlformats.org/presentationml/2006/main" preserve="1">
+<p:sldLayout xmlns:a="http://schemas.openxmlformats.org/drawingml/2006/main" xmlns:p="http://schemas.openxmlformats.org/presentationml/2006/main" xmlns:r="http://schemas.openxmlformats.org/officeDocument/2006/relationships" preserve="1">
   <p:cSld name="Tarjeta de nombre">
     <p:spTree>
       <p:nvGrpSpPr>
@@ -1670,7 +1674,7 @@
           </a:bodyPr>
           <a:lstStyle>
             <a:lvl1pPr algn="l">
-              <a:defRPr sz="4400" b="0" cap="none"/>
+              <a:defRPr b="0" cap="none" sz="4400"/>
             </a:lvl1pPr>
           </a:lstStyle>
           <a:p>
@@ -1678,7 +1682,7 @@
               <a:rPr lang="es-ES" smtClean="0"/>
               <a:t>Haga clic para modificar el estilo de título del patrón</a:t>
             </a:r>
-            <a:endParaRPr lang="en-US" dirty="0"/>
+            <a:endParaRPr dirty="0" lang="en-US"/>
           </a:p>
         </p:txBody>
       </p:sp>
@@ -1689,7 +1693,7 @@
             <a:spLocks noGrp="1"/>
           </p:cNvSpPr>
           <p:nvPr>
-            <p:ph type="body" idx="1"/>
+            <p:ph idx="1" type="body"/>
           </p:nvPr>
         </p:nvSpPr>
         <p:spPr>
@@ -1703,7 +1707,7 @@
             <a:normAutofit/>
           </a:bodyPr>
           <a:lstStyle>
-            <a:lvl1pPr marL="0" indent="0" algn="l">
+            <a:lvl1pPr algn="l" indent="0" marL="0">
               <a:buNone/>
               <a:defRPr sz="1800">
                 <a:solidFill>
@@ -1714,7 +1718,7 @@
                 </a:solidFill>
               </a:defRPr>
             </a:lvl1pPr>
-            <a:lvl2pPr marL="457200" indent="0">
+            <a:lvl2pPr indent="0" marL="457200">
               <a:buNone/>
               <a:defRPr sz="1800">
                 <a:solidFill>
@@ -1724,7 +1728,7 @@
                 </a:solidFill>
               </a:defRPr>
             </a:lvl2pPr>
-            <a:lvl3pPr marL="914400" indent="0">
+            <a:lvl3pPr indent="0" marL="914400">
               <a:buNone/>
               <a:defRPr sz="1600">
                 <a:solidFill>
@@ -1734,7 +1738,7 @@
                 </a:solidFill>
               </a:defRPr>
             </a:lvl3pPr>
-            <a:lvl4pPr marL="1371600" indent="0">
+            <a:lvl4pPr indent="0" marL="1371600">
               <a:buNone/>
               <a:defRPr sz="1400">
                 <a:solidFill>
@@ -1744,7 +1748,7 @@
                 </a:solidFill>
               </a:defRPr>
             </a:lvl4pPr>
-            <a:lvl5pPr marL="1828800" indent="0">
+            <a:lvl5pPr indent="0" marL="1828800">
               <a:buNone/>
               <a:defRPr sz="1400">
                 <a:solidFill>
@@ -1754,7 +1758,7 @@
                 </a:solidFill>
               </a:defRPr>
             </a:lvl5pPr>
-            <a:lvl6pPr marL="2286000" indent="0">
+            <a:lvl6pPr indent="0" marL="2286000">
               <a:buNone/>
               <a:defRPr sz="1400">
                 <a:solidFill>
@@ -1764,7 +1768,7 @@
                 </a:solidFill>
               </a:defRPr>
             </a:lvl6pPr>
-            <a:lvl7pPr marL="2743200" indent="0">
+            <a:lvl7pPr indent="0" marL="2743200">
               <a:buNone/>
               <a:defRPr sz="1400">
                 <a:solidFill>
@@ -1774,7 +1778,7 @@
                 </a:solidFill>
               </a:defRPr>
             </a:lvl7pPr>
-            <a:lvl8pPr marL="3200400" indent="0">
+            <a:lvl8pPr indent="0" marL="3200400">
               <a:buNone/>
               <a:defRPr sz="1400">
                 <a:solidFill>
@@ -1784,7 +1788,7 @@
                 </a:solidFill>
               </a:defRPr>
             </a:lvl8pPr>
-            <a:lvl9pPr marL="3657600" indent="0">
+            <a:lvl9pPr indent="0" marL="3657600">
               <a:buNone/>
               <a:defRPr sz="1400">
                 <a:solidFill>
@@ -1811,7 +1815,7 @@
             <a:spLocks noGrp="1"/>
           </p:cNvSpPr>
           <p:nvPr>
-            <p:ph type="dt" sz="half" idx="10"/>
+            <p:ph idx="10" sz="half" type="dt"/>
           </p:nvPr>
         </p:nvSpPr>
         <p:spPr/>
@@ -1822,7 +1826,7 @@
             <a:fld id="{1D8BD707-D9CF-40AE-B4C6-C98DA3205C09}" type="datetimeFigureOut">
               <a:rPr lang="en-US" smtClean="0"/>
               <a:pPr/>
-              <a:t>5/12/2017</a:t>
+              <a:t>5/13/2017</a:t>
             </a:fld>
             <a:endParaRPr lang="en-US"/>
           </a:p>
@@ -1835,7 +1839,7 @@
             <a:spLocks noGrp="1"/>
           </p:cNvSpPr>
           <p:nvPr>
-            <p:ph type="ftr" sz="quarter" idx="11"/>
+            <p:ph idx="11" sz="quarter" type="ftr"/>
           </p:nvPr>
         </p:nvSpPr>
         <p:spPr/>
@@ -1854,7 +1858,7 @@
             <a:spLocks noGrp="1"/>
           </p:cNvSpPr>
           <p:nvPr>
-            <p:ph type="sldNum" sz="quarter" idx="12"/>
+            <p:ph idx="12" sz="quarter" type="sldNum"/>
           </p:nvPr>
         </p:nvSpPr>
         <p:spPr/>
@@ -1885,7 +1889,7 @@
 </file>
 
 <file path=ppt/slideLayouts/slideLayout13.xml><?xml version="1.0" encoding="utf-8"?>
-<p:sldLayout xmlns:a="http://schemas.openxmlformats.org/drawingml/2006/main" xmlns:r="http://schemas.openxmlformats.org/officeDocument/2006/relationships" xmlns:p="http://schemas.openxmlformats.org/presentationml/2006/main" preserve="1">
+<p:sldLayout xmlns:a="http://schemas.openxmlformats.org/drawingml/2006/main" xmlns:p="http://schemas.openxmlformats.org/presentationml/2006/main" xmlns:r="http://schemas.openxmlformats.org/officeDocument/2006/relationships" preserve="1">
   <p:cSld name="Citar la tarjeta de nombre">
     <p:spTree>
       <p:nvGrpSpPr>
@@ -1923,7 +1927,7 @@
           </a:bodyPr>
           <a:lstStyle>
             <a:lvl1pPr algn="l">
-              <a:defRPr sz="4400" b="0" cap="none"/>
+              <a:defRPr b="0" cap="none" sz="4400"/>
             </a:lvl1pPr>
           </a:lstStyle>
           <a:p>
@@ -1931,7 +1935,7 @@
               <a:rPr lang="es-ES" smtClean="0"/>
               <a:t>Haga clic para modificar el estilo de título del patrón</a:t>
             </a:r>
-            <a:endParaRPr lang="en-US" dirty="0"/>
+            <a:endParaRPr dirty="0" lang="en-US"/>
           </a:p>
         </p:txBody>
       </p:sp>
@@ -1942,7 +1946,7 @@
             <a:spLocks noGrp="1"/>
           </p:cNvSpPr>
           <p:nvPr>
-            <p:ph type="body" sz="quarter" idx="13"/>
+            <p:ph idx="13" sz="quarter" type="body"/>
           </p:nvPr>
         </p:nvSpPr>
         <p:spPr>
@@ -1956,7 +1960,7 @@
             <a:noAutofit/>
           </a:bodyPr>
           <a:lstStyle>
-            <a:lvl1pPr marL="0" indent="0">
+            <a:lvl1pPr indent="0" marL="0">
               <a:buFontTx/>
               <a:buNone/>
               <a:defRPr sz="2400">
@@ -1968,22 +1972,22 @@
                 </a:solidFill>
               </a:defRPr>
             </a:lvl1pPr>
-            <a:lvl2pPr marL="457200" indent="0">
+            <a:lvl2pPr indent="0" marL="457200">
               <a:buFontTx/>
               <a:buNone/>
               <a:defRPr/>
             </a:lvl2pPr>
-            <a:lvl3pPr marL="914400" indent="0">
+            <a:lvl3pPr indent="0" marL="914400">
               <a:buFontTx/>
               <a:buNone/>
               <a:defRPr/>
             </a:lvl3pPr>
-            <a:lvl4pPr marL="1371600" indent="0">
+            <a:lvl4pPr indent="0" marL="1371600">
               <a:buFontTx/>
               <a:buNone/>
               <a:defRPr/>
             </a:lvl4pPr>
-            <a:lvl5pPr marL="1828800" indent="0">
+            <a:lvl5pPr indent="0" marL="1828800">
               <a:buFontTx/>
               <a:buNone/>
               <a:defRPr/>
@@ -2005,7 +2009,7 @@
             <a:spLocks noGrp="1"/>
           </p:cNvSpPr>
           <p:nvPr>
-            <p:ph type="body" idx="1"/>
+            <p:ph idx="1" type="body"/>
           </p:nvPr>
         </p:nvSpPr>
         <p:spPr>
@@ -2019,7 +2023,7 @@
             <a:normAutofit/>
           </a:bodyPr>
           <a:lstStyle>
-            <a:lvl1pPr marL="0" indent="0" algn="l">
+            <a:lvl1pPr algn="l" indent="0" marL="0">
               <a:buNone/>
               <a:defRPr sz="1800">
                 <a:solidFill>
@@ -2030,7 +2034,7 @@
                 </a:solidFill>
               </a:defRPr>
             </a:lvl1pPr>
-            <a:lvl2pPr marL="457200" indent="0">
+            <a:lvl2pPr indent="0" marL="457200">
               <a:buNone/>
               <a:defRPr sz="1800">
                 <a:solidFill>
@@ -2040,7 +2044,7 @@
                 </a:solidFill>
               </a:defRPr>
             </a:lvl2pPr>
-            <a:lvl3pPr marL="914400" indent="0">
+            <a:lvl3pPr indent="0" marL="914400">
               <a:buNone/>
               <a:defRPr sz="1600">
                 <a:solidFill>
@@ -2050,7 +2054,7 @@
                 </a:solidFill>
               </a:defRPr>
             </a:lvl3pPr>
-            <a:lvl4pPr marL="1371600" indent="0">
+            <a:lvl4pPr indent="0" marL="1371600">
               <a:buNone/>
               <a:defRPr sz="1400">
                 <a:solidFill>
@@ -2060,7 +2064,7 @@
                 </a:solidFill>
               </a:defRPr>
             </a:lvl4pPr>
-            <a:lvl5pPr marL="1828800" indent="0">
+            <a:lvl5pPr indent="0" marL="1828800">
               <a:buNone/>
               <a:defRPr sz="1400">
                 <a:solidFill>
@@ -2070,7 +2074,7 @@
                 </a:solidFill>
               </a:defRPr>
             </a:lvl5pPr>
-            <a:lvl6pPr marL="2286000" indent="0">
+            <a:lvl6pPr indent="0" marL="2286000">
               <a:buNone/>
               <a:defRPr sz="1400">
                 <a:solidFill>
@@ -2080,7 +2084,7 @@
                 </a:solidFill>
               </a:defRPr>
             </a:lvl6pPr>
-            <a:lvl7pPr marL="2743200" indent="0">
+            <a:lvl7pPr indent="0" marL="2743200">
               <a:buNone/>
               <a:defRPr sz="1400">
                 <a:solidFill>
@@ -2090,7 +2094,7 @@
                 </a:solidFill>
               </a:defRPr>
             </a:lvl7pPr>
-            <a:lvl8pPr marL="3200400" indent="0">
+            <a:lvl8pPr indent="0" marL="3200400">
               <a:buNone/>
               <a:defRPr sz="1400">
                 <a:solidFill>
@@ -2100,7 +2104,7 @@
                 </a:solidFill>
               </a:defRPr>
             </a:lvl8pPr>
-            <a:lvl9pPr marL="3657600" indent="0">
+            <a:lvl9pPr indent="0" marL="3657600">
               <a:buNone/>
               <a:defRPr sz="1400">
                 <a:solidFill>
@@ -2127,7 +2131,7 @@
             <a:spLocks noGrp="1"/>
           </p:cNvSpPr>
           <p:nvPr>
-            <p:ph type="dt" sz="half" idx="10"/>
+            <p:ph idx="10" sz="half" type="dt"/>
           </p:nvPr>
         </p:nvSpPr>
         <p:spPr/>
@@ -2138,7 +2142,7 @@
             <a:fld id="{1D8BD707-D9CF-40AE-B4C6-C98DA3205C09}" type="datetimeFigureOut">
               <a:rPr lang="en-US" smtClean="0"/>
               <a:pPr/>
-              <a:t>5/12/2017</a:t>
+              <a:t>5/13/2017</a:t>
             </a:fld>
             <a:endParaRPr lang="en-US"/>
           </a:p>
@@ -2151,7 +2155,7 @@
             <a:spLocks noGrp="1"/>
           </p:cNvSpPr>
           <p:nvPr>
-            <p:ph type="ftr" sz="quarter" idx="11"/>
+            <p:ph idx="11" sz="quarter" type="ftr"/>
           </p:nvPr>
         </p:nvSpPr>
         <p:spPr/>
@@ -2170,7 +2174,7 @@
             <a:spLocks noGrp="1"/>
           </p:cNvSpPr>
           <p:nvPr>
-            <p:ph type="sldNum" sz="quarter" idx="12"/>
+            <p:ph idx="12" sz="quarter" type="sldNum"/>
           </p:nvPr>
         </p:nvSpPr>
         <p:spPr/>
@@ -2203,15 +2207,15 @@
           </a:prstGeom>
         </p:spPr>
         <p:txBody>
-          <a:bodyPr vert="horz" lIns="91440" tIns="45720" rIns="91440" bIns="45720" rtlCol="0" anchor="ctr">
+          <a:bodyPr anchor="ctr" bIns="45720" lIns="91440" rIns="91440" rtlCol="0" tIns="45720" vert="horz">
             <a:noAutofit/>
           </a:bodyPr>
           <a:lstStyle/>
           <a:p>
             <a:pPr lvl="0"/>
             <a:r>
-              <a:rPr lang="en-US" sz="8000" baseline="0" dirty="0">
-                <a:ln w="3175" cmpd="sng">
+              <a:rPr baseline="0" dirty="0" lang="en-US" sz="8000">
+                <a:ln cmpd="sng" w="3175">
                   <a:noFill/>
                 </a:ln>
                 <a:solidFill>
@@ -2244,15 +2248,15 @@
           </a:prstGeom>
         </p:spPr>
         <p:txBody>
-          <a:bodyPr vert="horz" lIns="91440" tIns="45720" rIns="91440" bIns="45720" rtlCol="0" anchor="ctr">
+          <a:bodyPr anchor="ctr" bIns="45720" lIns="91440" rIns="91440" rtlCol="0" tIns="45720" vert="horz">
             <a:noAutofit/>
           </a:bodyPr>
           <a:lstStyle/>
           <a:p>
             <a:pPr lvl="0"/>
             <a:r>
-              <a:rPr lang="en-US" sz="8000" baseline="0" dirty="0">
-                <a:ln w="3175" cmpd="sng">
+              <a:rPr baseline="0" dirty="0" lang="en-US" sz="8000">
+                <a:ln cmpd="sng" w="3175">
                   <a:noFill/>
                 </a:ln>
                 <a:solidFill>
@@ -2283,7 +2287,7 @@
 </file>
 
 <file path=ppt/slideLayouts/slideLayout14.xml><?xml version="1.0" encoding="utf-8"?>
-<p:sldLayout xmlns:a="http://schemas.openxmlformats.org/drawingml/2006/main" xmlns:r="http://schemas.openxmlformats.org/officeDocument/2006/relationships" xmlns:p="http://schemas.openxmlformats.org/presentationml/2006/main" preserve="1">
+<p:sldLayout xmlns:a="http://schemas.openxmlformats.org/drawingml/2006/main" xmlns:p="http://schemas.openxmlformats.org/presentationml/2006/main" xmlns:r="http://schemas.openxmlformats.org/officeDocument/2006/relationships" preserve="1">
   <p:cSld name="Verdadero o falso">
     <p:spTree>
       <p:nvGrpSpPr>
@@ -2321,7 +2325,7 @@
           </a:bodyPr>
           <a:lstStyle>
             <a:lvl1pPr algn="l">
-              <a:defRPr sz="4400" b="0" cap="none"/>
+              <a:defRPr b="0" cap="none" sz="4400"/>
             </a:lvl1pPr>
           </a:lstStyle>
           <a:p>
@@ -2329,7 +2333,7 @@
               <a:rPr lang="es-ES" smtClean="0"/>
               <a:t>Haga clic para modificar el estilo de título del patrón</a:t>
             </a:r>
-            <a:endParaRPr lang="en-US" dirty="0"/>
+            <a:endParaRPr dirty="0" lang="en-US"/>
           </a:p>
         </p:txBody>
       </p:sp>
@@ -2340,7 +2344,7 @@
             <a:spLocks noGrp="1"/>
           </p:cNvSpPr>
           <p:nvPr>
-            <p:ph type="body" sz="quarter" idx="13"/>
+            <p:ph idx="13" sz="quarter" type="body"/>
           </p:nvPr>
         </p:nvSpPr>
         <p:spPr>
@@ -2354,7 +2358,7 @@
             <a:noAutofit/>
           </a:bodyPr>
           <a:lstStyle>
-            <a:lvl1pPr marL="0" indent="0">
+            <a:lvl1pPr indent="0" marL="0">
               <a:buFontTx/>
               <a:buNone/>
               <a:defRPr sz="2400">
@@ -2363,22 +2367,22 @@
                 </a:solidFill>
               </a:defRPr>
             </a:lvl1pPr>
-            <a:lvl2pPr marL="457200" indent="0">
+            <a:lvl2pPr indent="0" marL="457200">
               <a:buFontTx/>
               <a:buNone/>
               <a:defRPr/>
             </a:lvl2pPr>
-            <a:lvl3pPr marL="914400" indent="0">
+            <a:lvl3pPr indent="0" marL="914400">
               <a:buFontTx/>
               <a:buNone/>
               <a:defRPr/>
             </a:lvl3pPr>
-            <a:lvl4pPr marL="1371600" indent="0">
+            <a:lvl4pPr indent="0" marL="1371600">
               <a:buFontTx/>
               <a:buNone/>
               <a:defRPr/>
             </a:lvl4pPr>
-            <a:lvl5pPr marL="1828800" indent="0">
+            <a:lvl5pPr indent="0" marL="1828800">
               <a:buFontTx/>
               <a:buNone/>
               <a:defRPr/>
@@ -2400,7 +2404,7 @@
             <a:spLocks noGrp="1"/>
           </p:cNvSpPr>
           <p:nvPr>
-            <p:ph type="body" idx="1"/>
+            <p:ph idx="1" type="body"/>
           </p:nvPr>
         </p:nvSpPr>
         <p:spPr>
@@ -2414,7 +2418,7 @@
             <a:normAutofit/>
           </a:bodyPr>
           <a:lstStyle>
-            <a:lvl1pPr marL="0" indent="0" algn="l">
+            <a:lvl1pPr algn="l" indent="0" marL="0">
               <a:buNone/>
               <a:defRPr sz="1800">
                 <a:solidFill>
@@ -2425,7 +2429,7 @@
                 </a:solidFill>
               </a:defRPr>
             </a:lvl1pPr>
-            <a:lvl2pPr marL="457200" indent="0">
+            <a:lvl2pPr indent="0" marL="457200">
               <a:buNone/>
               <a:defRPr sz="1800">
                 <a:solidFill>
@@ -2435,7 +2439,7 @@
                 </a:solidFill>
               </a:defRPr>
             </a:lvl2pPr>
-            <a:lvl3pPr marL="914400" indent="0">
+            <a:lvl3pPr indent="0" marL="914400">
               <a:buNone/>
               <a:defRPr sz="1600">
                 <a:solidFill>
@@ -2445,7 +2449,7 @@
                 </a:solidFill>
               </a:defRPr>
             </a:lvl3pPr>
-            <a:lvl4pPr marL="1371600" indent="0">
+            <a:lvl4pPr indent="0" marL="1371600">
               <a:buNone/>
               <a:defRPr sz="1400">
                 <a:solidFill>
@@ -2455,7 +2459,7 @@
                 </a:solidFill>
               </a:defRPr>
             </a:lvl4pPr>
-            <a:lvl5pPr marL="1828800" indent="0">
+            <a:lvl5pPr indent="0" marL="1828800">
               <a:buNone/>
               <a:defRPr sz="1400">
                 <a:solidFill>
@@ -2465,7 +2469,7 @@
                 </a:solidFill>
               </a:defRPr>
             </a:lvl5pPr>
-            <a:lvl6pPr marL="2286000" indent="0">
+            <a:lvl6pPr indent="0" marL="2286000">
               <a:buNone/>
               <a:defRPr sz="1400">
                 <a:solidFill>
@@ -2475,7 +2479,7 @@
                 </a:solidFill>
               </a:defRPr>
             </a:lvl6pPr>
-            <a:lvl7pPr marL="2743200" indent="0">
+            <a:lvl7pPr indent="0" marL="2743200">
               <a:buNone/>
               <a:defRPr sz="1400">
                 <a:solidFill>
@@ -2485,7 +2489,7 @@
                 </a:solidFill>
               </a:defRPr>
             </a:lvl7pPr>
-            <a:lvl8pPr marL="3200400" indent="0">
+            <a:lvl8pPr indent="0" marL="3200400">
               <a:buNone/>
               <a:defRPr sz="1400">
                 <a:solidFill>
@@ -2495,7 +2499,7 @@
                 </a:solidFill>
               </a:defRPr>
             </a:lvl8pPr>
-            <a:lvl9pPr marL="3657600" indent="0">
+            <a:lvl9pPr indent="0" marL="3657600">
               <a:buNone/>
               <a:defRPr sz="1400">
                 <a:solidFill>
@@ -2522,7 +2526,7 @@
             <a:spLocks noGrp="1"/>
           </p:cNvSpPr>
           <p:nvPr>
-            <p:ph type="dt" sz="half" idx="10"/>
+            <p:ph idx="10" sz="half" type="dt"/>
           </p:nvPr>
         </p:nvSpPr>
         <p:spPr/>
@@ -2533,7 +2537,7 @@
             <a:fld id="{1D8BD707-D9CF-40AE-B4C6-C98DA3205C09}" type="datetimeFigureOut">
               <a:rPr lang="en-US" smtClean="0"/>
               <a:pPr/>
-              <a:t>5/12/2017</a:t>
+              <a:t>5/13/2017</a:t>
             </a:fld>
             <a:endParaRPr lang="en-US"/>
           </a:p>
@@ -2546,7 +2550,7 @@
             <a:spLocks noGrp="1"/>
           </p:cNvSpPr>
           <p:nvPr>
-            <p:ph type="ftr" sz="quarter" idx="11"/>
+            <p:ph idx="11" sz="quarter" type="ftr"/>
           </p:nvPr>
         </p:nvSpPr>
         <p:spPr/>
@@ -2565,7 +2569,7 @@
             <a:spLocks noGrp="1"/>
           </p:cNvSpPr>
           <p:nvPr>
-            <p:ph type="sldNum" sz="quarter" idx="12"/>
+            <p:ph idx="12" sz="quarter" type="sldNum"/>
           </p:nvPr>
         </p:nvSpPr>
         <p:spPr/>
@@ -2596,7 +2600,7 @@
 </file>
 
 <file path=ppt/slideLayouts/slideLayout15.xml><?xml version="1.0" encoding="utf-8"?>
-<p:sldLayout xmlns:a="http://schemas.openxmlformats.org/drawingml/2006/main" xmlns:r="http://schemas.openxmlformats.org/officeDocument/2006/relationships" xmlns:p="http://schemas.openxmlformats.org/presentationml/2006/main" type="vertTx" preserve="1">
+<p:sldLayout xmlns:a="http://schemas.openxmlformats.org/drawingml/2006/main" xmlns:p="http://schemas.openxmlformats.org/presentationml/2006/main" xmlns:r="http://schemas.openxmlformats.org/officeDocument/2006/relationships" preserve="1" type="vertTx">
   <p:cSld name="Título y texto vertical">
     <p:spTree>
       <p:nvGrpSpPr>
@@ -2631,7 +2635,7 @@
               <a:rPr lang="es-ES" smtClean="0"/>
               <a:t>Haga clic para modificar el estilo de título del patrón</a:t>
             </a:r>
-            <a:endParaRPr lang="en-US" dirty="0"/>
+            <a:endParaRPr dirty="0" lang="en-US"/>
           </a:p>
         </p:txBody>
       </p:sp>
@@ -2642,7 +2646,7 @@
             <a:spLocks noGrp="1"/>
           </p:cNvSpPr>
           <p:nvPr>
-            <p:ph type="body" orient="vert" idx="1"/>
+            <p:ph idx="1" orient="vert" type="body"/>
           </p:nvPr>
         </p:nvSpPr>
         <p:spPr/>
@@ -2683,7 +2687,7 @@
               <a:rPr lang="es-ES" smtClean="0"/>
               <a:t>Quinto nivel</a:t>
             </a:r>
-            <a:endParaRPr lang="en-US" dirty="0"/>
+            <a:endParaRPr dirty="0" lang="en-US"/>
           </a:p>
         </p:txBody>
       </p:sp>
@@ -2694,7 +2698,7 @@
             <a:spLocks noGrp="1"/>
           </p:cNvSpPr>
           <p:nvPr>
-            <p:ph type="dt" sz="half" idx="10"/>
+            <p:ph idx="10" sz="half" type="dt"/>
           </p:nvPr>
         </p:nvSpPr>
         <p:spPr/>
@@ -2705,7 +2709,7 @@
             <a:fld id="{1D8BD707-D9CF-40AE-B4C6-C98DA3205C09}" type="datetimeFigureOut">
               <a:rPr lang="en-US" smtClean="0"/>
               <a:pPr/>
-              <a:t>5/12/2017</a:t>
+              <a:t>5/13/2017</a:t>
             </a:fld>
             <a:endParaRPr lang="en-US"/>
           </a:p>
@@ -2718,7 +2722,7 @@
             <a:spLocks noGrp="1"/>
           </p:cNvSpPr>
           <p:nvPr>
-            <p:ph type="ftr" sz="quarter" idx="11"/>
+            <p:ph idx="11" sz="quarter" type="ftr"/>
           </p:nvPr>
         </p:nvSpPr>
         <p:spPr/>
@@ -2737,7 +2741,7 @@
             <a:spLocks noGrp="1"/>
           </p:cNvSpPr>
           <p:nvPr>
-            <p:ph type="sldNum" sz="quarter" idx="12"/>
+            <p:ph idx="12" sz="quarter" type="sldNum"/>
           </p:nvPr>
         </p:nvSpPr>
         <p:spPr/>
@@ -2768,7 +2772,7 @@
 </file>
 
 <file path=ppt/slideLayouts/slideLayout16.xml><?xml version="1.0" encoding="utf-8"?>
-<p:sldLayout xmlns:a="http://schemas.openxmlformats.org/drawingml/2006/main" xmlns:r="http://schemas.openxmlformats.org/officeDocument/2006/relationships" xmlns:p="http://schemas.openxmlformats.org/presentationml/2006/main" type="vertTitleAndTx" preserve="1">
+<p:sldLayout xmlns:a="http://schemas.openxmlformats.org/drawingml/2006/main" xmlns:p="http://schemas.openxmlformats.org/presentationml/2006/main" xmlns:r="http://schemas.openxmlformats.org/officeDocument/2006/relationships" preserve="1" type="vertTitleAndTx">
   <p:cSld name="Título vertical y texto">
     <p:spTree>
       <p:nvGrpSpPr>
@@ -2791,7 +2795,7 @@
             <a:spLocks noGrp="1"/>
           </p:cNvSpPr>
           <p:nvPr>
-            <p:ph type="title" orient="vert"/>
+            <p:ph orient="vert" type="title"/>
           </p:nvPr>
         </p:nvSpPr>
         <p:spPr>
@@ -2801,14 +2805,14 @@
           </a:xfrm>
         </p:spPr>
         <p:txBody>
-          <a:bodyPr vert="eaVert" anchor="ctr"/>
+          <a:bodyPr anchor="ctr" vert="eaVert"/>
           <a:lstStyle/>
           <a:p>
             <a:r>
               <a:rPr lang="es-ES" smtClean="0"/>
               <a:t>Haga clic para modificar el estilo de título del patrón</a:t>
             </a:r>
-            <a:endParaRPr lang="en-US" dirty="0"/>
+            <a:endParaRPr dirty="0" lang="en-US"/>
           </a:p>
         </p:txBody>
       </p:sp>
@@ -2819,7 +2823,7 @@
             <a:spLocks noGrp="1"/>
           </p:cNvSpPr>
           <p:nvPr>
-            <p:ph type="body" orient="vert" idx="1"/>
+            <p:ph idx="1" orient="vert" type="body"/>
           </p:nvPr>
         </p:nvSpPr>
         <p:spPr>
@@ -2865,7 +2869,7 @@
               <a:rPr lang="es-ES" smtClean="0"/>
               <a:t>Quinto nivel</a:t>
             </a:r>
-            <a:endParaRPr lang="en-US" dirty="0"/>
+            <a:endParaRPr dirty="0" lang="en-US"/>
           </a:p>
         </p:txBody>
       </p:sp>
@@ -2876,7 +2880,7 @@
             <a:spLocks noGrp="1"/>
           </p:cNvSpPr>
           <p:nvPr>
-            <p:ph type="dt" sz="half" idx="10"/>
+            <p:ph idx="10" sz="half" type="dt"/>
           </p:nvPr>
         </p:nvSpPr>
         <p:spPr/>
@@ -2887,7 +2891,7 @@
             <a:fld id="{1D8BD707-D9CF-40AE-B4C6-C98DA3205C09}" type="datetimeFigureOut">
               <a:rPr lang="en-US" smtClean="0"/>
               <a:pPr/>
-              <a:t>5/12/2017</a:t>
+              <a:t>5/13/2017</a:t>
             </a:fld>
             <a:endParaRPr lang="en-US"/>
           </a:p>
@@ -2900,7 +2904,7 @@
             <a:spLocks noGrp="1"/>
           </p:cNvSpPr>
           <p:nvPr>
-            <p:ph type="ftr" sz="quarter" idx="11"/>
+            <p:ph idx="11" sz="quarter" type="ftr"/>
           </p:nvPr>
         </p:nvSpPr>
         <p:spPr/>
@@ -2919,7 +2923,7 @@
             <a:spLocks noGrp="1"/>
           </p:cNvSpPr>
           <p:nvPr>
-            <p:ph type="sldNum" sz="quarter" idx="12"/>
+            <p:ph idx="12" sz="quarter" type="sldNum"/>
           </p:nvPr>
         </p:nvSpPr>
         <p:spPr/>
@@ -2950,7 +2954,7 @@
 </file>
 
 <file path=ppt/slideLayouts/slideLayout2.xml><?xml version="1.0" encoding="utf-8"?>
-<p:sldLayout xmlns:a="http://schemas.openxmlformats.org/drawingml/2006/main" xmlns:r="http://schemas.openxmlformats.org/officeDocument/2006/relationships" xmlns:p="http://schemas.openxmlformats.org/presentationml/2006/main" type="obj" preserve="1">
+<p:sldLayout xmlns:a="http://schemas.openxmlformats.org/drawingml/2006/main" xmlns:p="http://schemas.openxmlformats.org/presentationml/2006/main" xmlns:r="http://schemas.openxmlformats.org/officeDocument/2006/relationships" preserve="1" type="obj">
   <p:cSld name="Título y objetos">
     <p:spTree>
       <p:nvGrpSpPr>
@@ -2985,7 +2989,7 @@
               <a:rPr lang="es-ES" smtClean="0"/>
               <a:t>Haga clic para modificar el estilo de título del patrón</a:t>
             </a:r>
-            <a:endParaRPr lang="en-US" dirty="0"/>
+            <a:endParaRPr dirty="0" lang="en-US"/>
           </a:p>
         </p:txBody>
       </p:sp>
@@ -3037,7 +3041,7 @@
               <a:rPr lang="es-ES" smtClean="0"/>
               <a:t>Quinto nivel</a:t>
             </a:r>
-            <a:endParaRPr lang="en-US" dirty="0"/>
+            <a:endParaRPr dirty="0" lang="en-US"/>
           </a:p>
         </p:txBody>
       </p:sp>
@@ -3048,7 +3052,7 @@
             <a:spLocks noGrp="1"/>
           </p:cNvSpPr>
           <p:nvPr>
-            <p:ph type="dt" sz="half" idx="10"/>
+            <p:ph idx="10" sz="half" type="dt"/>
           </p:nvPr>
         </p:nvSpPr>
         <p:spPr/>
@@ -3059,7 +3063,7 @@
             <a:fld id="{1D8BD707-D9CF-40AE-B4C6-C98DA3205C09}" type="datetimeFigureOut">
               <a:rPr lang="en-US" smtClean="0"/>
               <a:pPr/>
-              <a:t>5/12/2017</a:t>
+              <a:t>5/13/2017</a:t>
             </a:fld>
             <a:endParaRPr lang="en-US"/>
           </a:p>
@@ -3072,7 +3076,7 @@
             <a:spLocks noGrp="1"/>
           </p:cNvSpPr>
           <p:nvPr>
-            <p:ph type="ftr" sz="quarter" idx="11"/>
+            <p:ph idx="11" sz="quarter" type="ftr"/>
           </p:nvPr>
         </p:nvSpPr>
         <p:spPr/>
@@ -3091,7 +3095,7 @@
             <a:spLocks noGrp="1"/>
           </p:cNvSpPr>
           <p:nvPr>
-            <p:ph type="sldNum" sz="quarter" idx="12"/>
+            <p:ph idx="12" sz="quarter" type="sldNum"/>
           </p:nvPr>
         </p:nvSpPr>
         <p:spPr/>
@@ -3122,7 +3126,7 @@
 </file>
 
 <file path=ppt/slideLayouts/slideLayout3.xml><?xml version="1.0" encoding="utf-8"?>
-<p:sldLayout xmlns:a="http://schemas.openxmlformats.org/drawingml/2006/main" xmlns:r="http://schemas.openxmlformats.org/officeDocument/2006/relationships" xmlns:p="http://schemas.openxmlformats.org/presentationml/2006/main" type="secHead" preserve="1">
+<p:sldLayout xmlns:a="http://schemas.openxmlformats.org/drawingml/2006/main" xmlns:p="http://schemas.openxmlformats.org/presentationml/2006/main" xmlns:r="http://schemas.openxmlformats.org/officeDocument/2006/relationships" preserve="1" type="secHead">
   <p:cSld name="Encabezado de sección">
     <p:spTree>
       <p:nvGrpSpPr>
@@ -3158,7 +3162,7 @@
           <a:bodyPr anchor="b"/>
           <a:lstStyle>
             <a:lvl1pPr algn="l">
-              <a:defRPr sz="4000" b="0" cap="none"/>
+              <a:defRPr b="0" cap="none" sz="4000"/>
             </a:lvl1pPr>
           </a:lstStyle>
           <a:p>
@@ -3166,7 +3170,7 @@
               <a:rPr lang="es-ES" smtClean="0"/>
               <a:t>Haga clic para modificar el estilo de título del patrón</a:t>
             </a:r>
-            <a:endParaRPr lang="en-US" dirty="0"/>
+            <a:endParaRPr dirty="0" lang="en-US"/>
           </a:p>
         </p:txBody>
       </p:sp>
@@ -3177,7 +3181,7 @@
             <a:spLocks noGrp="1"/>
           </p:cNvSpPr>
           <p:nvPr>
-            <p:ph type="body" idx="1"/>
+            <p:ph idx="1" type="body"/>
           </p:nvPr>
         </p:nvSpPr>
         <p:spPr>
@@ -3189,7 +3193,7 @@
         <p:txBody>
           <a:bodyPr anchor="t"/>
           <a:lstStyle>
-            <a:lvl1pPr marL="0" indent="0" algn="l">
+            <a:lvl1pPr algn="l" indent="0" marL="0">
               <a:buNone/>
               <a:defRPr sz="2000">
                 <a:solidFill>
@@ -3200,7 +3204,7 @@
                 </a:solidFill>
               </a:defRPr>
             </a:lvl1pPr>
-            <a:lvl2pPr marL="457200" indent="0">
+            <a:lvl2pPr indent="0" marL="457200">
               <a:buNone/>
               <a:defRPr sz="1800">
                 <a:solidFill>
@@ -3210,7 +3214,7 @@
                 </a:solidFill>
               </a:defRPr>
             </a:lvl2pPr>
-            <a:lvl3pPr marL="914400" indent="0">
+            <a:lvl3pPr indent="0" marL="914400">
               <a:buNone/>
               <a:defRPr sz="1600">
                 <a:solidFill>
@@ -3220,7 +3224,7 @@
                 </a:solidFill>
               </a:defRPr>
             </a:lvl3pPr>
-            <a:lvl4pPr marL="1371600" indent="0">
+            <a:lvl4pPr indent="0" marL="1371600">
               <a:buNone/>
               <a:defRPr sz="1400">
                 <a:solidFill>
@@ -3230,7 +3234,7 @@
                 </a:solidFill>
               </a:defRPr>
             </a:lvl4pPr>
-            <a:lvl5pPr marL="1828800" indent="0">
+            <a:lvl5pPr indent="0" marL="1828800">
               <a:buNone/>
               <a:defRPr sz="1400">
                 <a:solidFill>
@@ -3240,7 +3244,7 @@
                 </a:solidFill>
               </a:defRPr>
             </a:lvl5pPr>
-            <a:lvl6pPr marL="2286000" indent="0">
+            <a:lvl6pPr indent="0" marL="2286000">
               <a:buNone/>
               <a:defRPr sz="1400">
                 <a:solidFill>
@@ -3250,7 +3254,7 @@
                 </a:solidFill>
               </a:defRPr>
             </a:lvl6pPr>
-            <a:lvl7pPr marL="2743200" indent="0">
+            <a:lvl7pPr indent="0" marL="2743200">
               <a:buNone/>
               <a:defRPr sz="1400">
                 <a:solidFill>
@@ -3260,7 +3264,7 @@
                 </a:solidFill>
               </a:defRPr>
             </a:lvl7pPr>
-            <a:lvl8pPr marL="3200400" indent="0">
+            <a:lvl8pPr indent="0" marL="3200400">
               <a:buNone/>
               <a:defRPr sz="1400">
                 <a:solidFill>
@@ -3270,7 +3274,7 @@
                 </a:solidFill>
               </a:defRPr>
             </a:lvl8pPr>
-            <a:lvl9pPr marL="3657600" indent="0">
+            <a:lvl9pPr indent="0" marL="3657600">
               <a:buNone/>
               <a:defRPr sz="1400">
                 <a:solidFill>
@@ -3297,7 +3301,7 @@
             <a:spLocks noGrp="1"/>
           </p:cNvSpPr>
           <p:nvPr>
-            <p:ph type="dt" sz="half" idx="10"/>
+            <p:ph idx="10" sz="half" type="dt"/>
           </p:nvPr>
         </p:nvSpPr>
         <p:spPr/>
@@ -3308,7 +3312,7 @@
             <a:fld id="{1D8BD707-D9CF-40AE-B4C6-C98DA3205C09}" type="datetimeFigureOut">
               <a:rPr lang="en-US" smtClean="0"/>
               <a:pPr/>
-              <a:t>5/12/2017</a:t>
+              <a:t>5/13/2017</a:t>
             </a:fld>
             <a:endParaRPr lang="en-US"/>
           </a:p>
@@ -3321,7 +3325,7 @@
             <a:spLocks noGrp="1"/>
           </p:cNvSpPr>
           <p:nvPr>
-            <p:ph type="ftr" sz="quarter" idx="11"/>
+            <p:ph idx="11" sz="quarter" type="ftr"/>
           </p:nvPr>
         </p:nvSpPr>
         <p:spPr/>
@@ -3340,7 +3344,7 @@
             <a:spLocks noGrp="1"/>
           </p:cNvSpPr>
           <p:nvPr>
-            <p:ph type="sldNum" sz="quarter" idx="12"/>
+            <p:ph idx="12" sz="quarter" type="sldNum"/>
           </p:nvPr>
         </p:nvSpPr>
         <p:spPr/>
@@ -3371,7 +3375,7 @@
 </file>
 
 <file path=ppt/slideLayouts/slideLayout4.xml><?xml version="1.0" encoding="utf-8"?>
-<p:sldLayout xmlns:a="http://schemas.openxmlformats.org/drawingml/2006/main" xmlns:r="http://schemas.openxmlformats.org/officeDocument/2006/relationships" xmlns:p="http://schemas.openxmlformats.org/presentationml/2006/main" type="twoObj" preserve="1">
+<p:sldLayout xmlns:a="http://schemas.openxmlformats.org/drawingml/2006/main" xmlns:p="http://schemas.openxmlformats.org/presentationml/2006/main" xmlns:r="http://schemas.openxmlformats.org/officeDocument/2006/relationships" preserve="1" type="twoObj">
   <p:cSld name="Dos objetos">
     <p:spTree>
       <p:nvGrpSpPr>
@@ -3411,7 +3415,7 @@
               <a:rPr lang="es-ES" smtClean="0"/>
               <a:t>Haga clic para modificar el estilo de título del patrón</a:t>
             </a:r>
-            <a:endParaRPr lang="en-US" dirty="0"/>
+            <a:endParaRPr dirty="0" lang="en-US"/>
           </a:p>
         </p:txBody>
       </p:sp>
@@ -3422,7 +3426,7 @@
             <a:spLocks noGrp="1"/>
           </p:cNvSpPr>
           <p:nvPr>
-            <p:ph sz="half" idx="1"/>
+            <p:ph idx="1" sz="half"/>
           </p:nvPr>
         </p:nvSpPr>
         <p:spPr>
@@ -3498,7 +3502,7 @@
               <a:rPr lang="es-ES" smtClean="0"/>
               <a:t>Quinto nivel</a:t>
             </a:r>
-            <a:endParaRPr lang="en-US" dirty="0"/>
+            <a:endParaRPr dirty="0" lang="en-US"/>
           </a:p>
         </p:txBody>
       </p:sp>
@@ -3509,7 +3513,7 @@
             <a:spLocks noGrp="1"/>
           </p:cNvSpPr>
           <p:nvPr>
-            <p:ph sz="half" idx="2"/>
+            <p:ph idx="2" sz="half"/>
           </p:nvPr>
         </p:nvSpPr>
         <p:spPr>
@@ -3585,7 +3589,7 @@
               <a:rPr lang="es-ES" smtClean="0"/>
               <a:t>Quinto nivel</a:t>
             </a:r>
-            <a:endParaRPr lang="en-US" dirty="0"/>
+            <a:endParaRPr dirty="0" lang="en-US"/>
           </a:p>
         </p:txBody>
       </p:sp>
@@ -3596,7 +3600,7 @@
             <a:spLocks noGrp="1"/>
           </p:cNvSpPr>
           <p:nvPr>
-            <p:ph type="dt" sz="half" idx="10"/>
+            <p:ph idx="10" sz="half" type="dt"/>
           </p:nvPr>
         </p:nvSpPr>
         <p:spPr/>
@@ -3607,7 +3611,7 @@
             <a:fld id="{1D8BD707-D9CF-40AE-B4C6-C98DA3205C09}" type="datetimeFigureOut">
               <a:rPr lang="en-US" smtClean="0"/>
               <a:pPr/>
-              <a:t>5/12/2017</a:t>
+              <a:t>5/13/2017</a:t>
             </a:fld>
             <a:endParaRPr lang="en-US"/>
           </a:p>
@@ -3620,7 +3624,7 @@
             <a:spLocks noGrp="1"/>
           </p:cNvSpPr>
           <p:nvPr>
-            <p:ph type="ftr" sz="quarter" idx="11"/>
+            <p:ph idx="11" sz="quarter" type="ftr"/>
           </p:nvPr>
         </p:nvSpPr>
         <p:spPr/>
@@ -3639,7 +3643,7 @@
             <a:spLocks noGrp="1"/>
           </p:cNvSpPr>
           <p:nvPr>
-            <p:ph type="sldNum" sz="quarter" idx="12"/>
+            <p:ph idx="12" sz="quarter" type="sldNum"/>
           </p:nvPr>
         </p:nvSpPr>
         <p:spPr/>
@@ -3670,7 +3674,7 @@
 </file>
 
 <file path=ppt/slideLayouts/slideLayout5.xml><?xml version="1.0" encoding="utf-8"?>
-<p:sldLayout xmlns:a="http://schemas.openxmlformats.org/drawingml/2006/main" xmlns:r="http://schemas.openxmlformats.org/officeDocument/2006/relationships" xmlns:p="http://schemas.openxmlformats.org/presentationml/2006/main" type="twoTxTwoObj" preserve="1">
+<p:sldLayout xmlns:a="http://schemas.openxmlformats.org/drawingml/2006/main" xmlns:p="http://schemas.openxmlformats.org/presentationml/2006/main" xmlns:r="http://schemas.openxmlformats.org/officeDocument/2006/relationships" preserve="1" type="twoTxTwoObj">
   <p:cSld name="Comparación">
     <p:spTree>
       <p:nvGrpSpPr>
@@ -3714,7 +3718,7 @@
               <a:rPr lang="es-ES" smtClean="0"/>
               <a:t>Haga clic para modificar el estilo de título del patrón</a:t>
             </a:r>
-            <a:endParaRPr lang="en-US" dirty="0"/>
+            <a:endParaRPr dirty="0" lang="en-US"/>
           </a:p>
         </p:txBody>
       </p:sp>
@@ -3725,7 +3729,7 @@
             <a:spLocks noGrp="1"/>
           </p:cNvSpPr>
           <p:nvPr>
-            <p:ph type="body" idx="1"/>
+            <p:ph idx="1" type="body"/>
           </p:nvPr>
         </p:nvSpPr>
         <p:spPr>
@@ -3739,41 +3743,41 @@
             <a:noAutofit/>
           </a:bodyPr>
           <a:lstStyle>
-            <a:lvl1pPr marL="0" indent="0">
-              <a:buNone/>
-              <a:defRPr sz="2400" b="0"/>
+            <a:lvl1pPr indent="0" marL="0">
+              <a:buNone/>
+              <a:defRPr b="0" sz="2400"/>
             </a:lvl1pPr>
-            <a:lvl2pPr marL="457200" indent="0">
-              <a:buNone/>
-              <a:defRPr sz="2000" b="1"/>
+            <a:lvl2pPr indent="0" marL="457200">
+              <a:buNone/>
+              <a:defRPr b="1" sz="2000"/>
             </a:lvl2pPr>
-            <a:lvl3pPr marL="914400" indent="0">
-              <a:buNone/>
-              <a:defRPr sz="1800" b="1"/>
+            <a:lvl3pPr indent="0" marL="914400">
+              <a:buNone/>
+              <a:defRPr b="1" sz="1800"/>
             </a:lvl3pPr>
-            <a:lvl4pPr marL="1371600" indent="0">
-              <a:buNone/>
-              <a:defRPr sz="1600" b="1"/>
+            <a:lvl4pPr indent="0" marL="1371600">
+              <a:buNone/>
+              <a:defRPr b="1" sz="1600"/>
             </a:lvl4pPr>
-            <a:lvl5pPr marL="1828800" indent="0">
-              <a:buNone/>
-              <a:defRPr sz="1600" b="1"/>
+            <a:lvl5pPr indent="0" marL="1828800">
+              <a:buNone/>
+              <a:defRPr b="1" sz="1600"/>
             </a:lvl5pPr>
-            <a:lvl6pPr marL="2286000" indent="0">
-              <a:buNone/>
-              <a:defRPr sz="1600" b="1"/>
+            <a:lvl6pPr indent="0" marL="2286000">
+              <a:buNone/>
+              <a:defRPr b="1" sz="1600"/>
             </a:lvl6pPr>
-            <a:lvl7pPr marL="2743200" indent="0">
-              <a:buNone/>
-              <a:defRPr sz="1600" b="1"/>
+            <a:lvl7pPr indent="0" marL="2743200">
+              <a:buNone/>
+              <a:defRPr b="1" sz="1600"/>
             </a:lvl7pPr>
-            <a:lvl8pPr marL="3200400" indent="0">
-              <a:buNone/>
-              <a:defRPr sz="1600" b="1"/>
+            <a:lvl8pPr indent="0" marL="3200400">
+              <a:buNone/>
+              <a:defRPr b="1" sz="1600"/>
             </a:lvl8pPr>
-            <a:lvl9pPr marL="3657600" indent="0">
-              <a:buNone/>
-              <a:defRPr sz="1600" b="1"/>
+            <a:lvl9pPr indent="0" marL="3657600">
+              <a:buNone/>
+              <a:defRPr b="1" sz="1600"/>
             </a:lvl9pPr>
           </a:lstStyle>
           <a:p>
@@ -3792,7 +3796,7 @@
             <a:spLocks noGrp="1"/>
           </p:cNvSpPr>
           <p:nvPr>
-            <p:ph sz="half" idx="2"/>
+            <p:ph idx="2" sz="half"/>
           </p:nvPr>
         </p:nvSpPr>
         <p:spPr>
@@ -3840,7 +3844,7 @@
               <a:rPr lang="es-ES" smtClean="0"/>
               <a:t>Quinto nivel</a:t>
             </a:r>
-            <a:endParaRPr lang="en-US" dirty="0"/>
+            <a:endParaRPr dirty="0" lang="en-US"/>
           </a:p>
         </p:txBody>
       </p:sp>
@@ -3851,7 +3855,7 @@
             <a:spLocks noGrp="1"/>
           </p:cNvSpPr>
           <p:nvPr>
-            <p:ph type="body" sz="quarter" idx="3"/>
+            <p:ph idx="3" sz="quarter" type="body"/>
           </p:nvPr>
         </p:nvSpPr>
         <p:spPr>
@@ -3865,41 +3869,41 @@
             <a:noAutofit/>
           </a:bodyPr>
           <a:lstStyle>
-            <a:lvl1pPr marL="0" indent="0">
-              <a:buNone/>
-              <a:defRPr sz="2400" b="0"/>
+            <a:lvl1pPr indent="0" marL="0">
+              <a:buNone/>
+              <a:defRPr b="0" sz="2400"/>
             </a:lvl1pPr>
-            <a:lvl2pPr marL="457200" indent="0">
-              <a:buNone/>
-              <a:defRPr sz="2000" b="1"/>
+            <a:lvl2pPr indent="0" marL="457200">
+              <a:buNone/>
+              <a:defRPr b="1" sz="2000"/>
             </a:lvl2pPr>
-            <a:lvl3pPr marL="914400" indent="0">
-              <a:buNone/>
-              <a:defRPr sz="1800" b="1"/>
+            <a:lvl3pPr indent="0" marL="914400">
+              <a:buNone/>
+              <a:defRPr b="1" sz="1800"/>
             </a:lvl3pPr>
-            <a:lvl4pPr marL="1371600" indent="0">
-              <a:buNone/>
-              <a:defRPr sz="1600" b="1"/>
+            <a:lvl4pPr indent="0" marL="1371600">
+              <a:buNone/>
+              <a:defRPr b="1" sz="1600"/>
             </a:lvl4pPr>
-            <a:lvl5pPr marL="1828800" indent="0">
-              <a:buNone/>
-              <a:defRPr sz="1600" b="1"/>
+            <a:lvl5pPr indent="0" marL="1828800">
+              <a:buNone/>
+              <a:defRPr b="1" sz="1600"/>
             </a:lvl5pPr>
-            <a:lvl6pPr marL="2286000" indent="0">
-              <a:buNone/>
-              <a:defRPr sz="1600" b="1"/>
+            <a:lvl6pPr indent="0" marL="2286000">
+              <a:buNone/>
+              <a:defRPr b="1" sz="1600"/>
             </a:lvl6pPr>
-            <a:lvl7pPr marL="2743200" indent="0">
-              <a:buNone/>
-              <a:defRPr sz="1600" b="1"/>
+            <a:lvl7pPr indent="0" marL="2743200">
+              <a:buNone/>
+              <a:defRPr b="1" sz="1600"/>
             </a:lvl7pPr>
-            <a:lvl8pPr marL="3200400" indent="0">
-              <a:buNone/>
-              <a:defRPr sz="1600" b="1"/>
+            <a:lvl8pPr indent="0" marL="3200400">
+              <a:buNone/>
+              <a:defRPr b="1" sz="1600"/>
             </a:lvl8pPr>
-            <a:lvl9pPr marL="3657600" indent="0">
-              <a:buNone/>
-              <a:defRPr sz="1600" b="1"/>
+            <a:lvl9pPr indent="0" marL="3657600">
+              <a:buNone/>
+              <a:defRPr b="1" sz="1600"/>
             </a:lvl9pPr>
           </a:lstStyle>
           <a:p>
@@ -3918,7 +3922,7 @@
             <a:spLocks noGrp="1"/>
           </p:cNvSpPr>
           <p:nvPr>
-            <p:ph sz="quarter" idx="4"/>
+            <p:ph idx="4" sz="quarter"/>
           </p:nvPr>
         </p:nvSpPr>
         <p:spPr>
@@ -3966,7 +3970,7 @@
               <a:rPr lang="es-ES" smtClean="0"/>
               <a:t>Quinto nivel</a:t>
             </a:r>
-            <a:endParaRPr lang="en-US" dirty="0"/>
+            <a:endParaRPr dirty="0" lang="en-US"/>
           </a:p>
         </p:txBody>
       </p:sp>
@@ -3977,7 +3981,7 @@
             <a:spLocks noGrp="1"/>
           </p:cNvSpPr>
           <p:nvPr>
-            <p:ph type="dt" sz="half" idx="10"/>
+            <p:ph idx="10" sz="half" type="dt"/>
           </p:nvPr>
         </p:nvSpPr>
         <p:spPr/>
@@ -3988,7 +3992,7 @@
             <a:fld id="{1D8BD707-D9CF-40AE-B4C6-C98DA3205C09}" type="datetimeFigureOut">
               <a:rPr lang="en-US" smtClean="0"/>
               <a:pPr/>
-              <a:t>5/12/2017</a:t>
+              <a:t>5/13/2017</a:t>
             </a:fld>
             <a:endParaRPr lang="en-US"/>
           </a:p>
@@ -4001,7 +4005,7 @@
             <a:spLocks noGrp="1"/>
           </p:cNvSpPr>
           <p:nvPr>
-            <p:ph type="ftr" sz="quarter" idx="11"/>
+            <p:ph idx="11" sz="quarter" type="ftr"/>
           </p:nvPr>
         </p:nvSpPr>
         <p:spPr/>
@@ -4020,7 +4024,7 @@
             <a:spLocks noGrp="1"/>
           </p:cNvSpPr>
           <p:nvPr>
-            <p:ph type="sldNum" sz="quarter" idx="12"/>
+            <p:ph idx="12" sz="quarter" type="sldNum"/>
           </p:nvPr>
         </p:nvSpPr>
         <p:spPr/>
@@ -4051,7 +4055,7 @@
 </file>
 
 <file path=ppt/slideLayouts/slideLayout6.xml><?xml version="1.0" encoding="utf-8"?>
-<p:sldLayout xmlns:a="http://schemas.openxmlformats.org/drawingml/2006/main" xmlns:r="http://schemas.openxmlformats.org/officeDocument/2006/relationships" xmlns:p="http://schemas.openxmlformats.org/presentationml/2006/main" type="titleOnly" preserve="1">
+<p:sldLayout xmlns:a="http://schemas.openxmlformats.org/drawingml/2006/main" xmlns:p="http://schemas.openxmlformats.org/presentationml/2006/main" xmlns:r="http://schemas.openxmlformats.org/officeDocument/2006/relationships" preserve="1" type="titleOnly">
   <p:cSld name="Solo el título">
     <p:spTree>
       <p:nvGrpSpPr>
@@ -4091,7 +4095,7 @@
               <a:rPr lang="es-ES" smtClean="0"/>
               <a:t>Haga clic para modificar el estilo de título del patrón</a:t>
             </a:r>
-            <a:endParaRPr lang="en-US" dirty="0"/>
+            <a:endParaRPr dirty="0" lang="en-US"/>
           </a:p>
         </p:txBody>
       </p:sp>
@@ -4102,7 +4106,7 @@
             <a:spLocks noGrp="1"/>
           </p:cNvSpPr>
           <p:nvPr>
-            <p:ph type="dt" sz="half" idx="10"/>
+            <p:ph idx="10" sz="half" type="dt"/>
           </p:nvPr>
         </p:nvSpPr>
         <p:spPr/>
@@ -4113,7 +4117,7 @@
             <a:fld id="{1D8BD707-D9CF-40AE-B4C6-C98DA3205C09}" type="datetimeFigureOut">
               <a:rPr lang="en-US" smtClean="0"/>
               <a:pPr/>
-              <a:t>5/12/2017</a:t>
+              <a:t>5/13/2017</a:t>
             </a:fld>
             <a:endParaRPr lang="en-US"/>
           </a:p>
@@ -4126,7 +4130,7 @@
             <a:spLocks noGrp="1"/>
           </p:cNvSpPr>
           <p:nvPr>
-            <p:ph type="ftr" sz="quarter" idx="11"/>
+            <p:ph idx="11" sz="quarter" type="ftr"/>
           </p:nvPr>
         </p:nvSpPr>
         <p:spPr/>
@@ -4145,7 +4149,7 @@
             <a:spLocks noGrp="1"/>
           </p:cNvSpPr>
           <p:nvPr>
-            <p:ph type="sldNum" sz="quarter" idx="12"/>
+            <p:ph idx="12" sz="quarter" type="sldNum"/>
           </p:nvPr>
         </p:nvSpPr>
         <p:spPr/>
@@ -4176,7 +4180,7 @@
 </file>
 
 <file path=ppt/slideLayouts/slideLayout7.xml><?xml version="1.0" encoding="utf-8"?>
-<p:sldLayout xmlns:a="http://schemas.openxmlformats.org/drawingml/2006/main" xmlns:r="http://schemas.openxmlformats.org/officeDocument/2006/relationships" xmlns:p="http://schemas.openxmlformats.org/presentationml/2006/main" type="blank" preserve="1">
+<p:sldLayout xmlns:a="http://schemas.openxmlformats.org/drawingml/2006/main" xmlns:p="http://schemas.openxmlformats.org/presentationml/2006/main" xmlns:r="http://schemas.openxmlformats.org/officeDocument/2006/relationships" preserve="1" type="blank">
   <p:cSld name="En blanco">
     <p:spTree>
       <p:nvGrpSpPr>
@@ -4192,14 +4196,846 @@
           <a:chExt cx="0" cy="0"/>
         </a:xfrm>
       </p:grpSpPr>
-      <p:sp>
-        <p:nvSpPr>
-          <p:cNvPr id="2" name="Date Placeholder 1"/>
-          <p:cNvSpPr>
-            <a:spLocks noGrp="1"/>
-          </p:cNvSpPr>
-          <p:nvPr>
-            <p:ph type="dt" sz="half" idx="10"/>
+      <p:grpSp>
+        <p:nvGrpSpPr>
+          <p:cNvPr id="7" name="Group 6"/>
+          <p:cNvGrpSpPr/>
+          <p:nvPr/>
+        </p:nvGrpSpPr>
+        <p:grpSpPr>
+          <a:xfrm>
+            <a:off x="-8466" y="-8468"/>
+            <a:ext cx="9169804" cy="6874935"/>
+            <a:chOff x="-8466" y="-8468"/>
+            <a:chExt cx="9169804" cy="6874935"/>
+          </a:xfrm>
+        </p:grpSpPr>
+        <p:cxnSp>
+          <p:nvCxnSpPr>
+            <p:cNvPr id="17" name="Straight Connector 16"/>
+            <p:cNvCxnSpPr/>
+            <p:nvPr/>
+          </p:nvCxnSpPr>
+          <p:spPr>
+            <a:xfrm flipV="1">
+              <a:off x="5130830" y="4175605"/>
+              <a:ext cx="4022475" cy="2682396"/>
+            </a:xfrm>
+            <a:prstGeom prst="line">
+              <a:avLst/>
+            </a:prstGeom>
+            <a:ln w="9525">
+              <a:solidFill>
+                <a:schemeClr val="bg1">
+                  <a:lumMod val="85000"/>
+                </a:schemeClr>
+              </a:solidFill>
+            </a:ln>
+          </p:spPr>
+          <p:style>
+            <a:lnRef idx="2">
+              <a:schemeClr val="accent1"/>
+            </a:lnRef>
+            <a:fillRef idx="0">
+              <a:schemeClr val="accent1"/>
+            </a:fillRef>
+            <a:effectRef idx="1">
+              <a:schemeClr val="accent1"/>
+            </a:effectRef>
+            <a:fontRef idx="minor">
+              <a:schemeClr val="tx1"/>
+            </a:fontRef>
+          </p:style>
+        </p:cxnSp>
+        <p:cxnSp>
+          <p:nvCxnSpPr>
+            <p:cNvPr id="18" name="Straight Connector 17"/>
+            <p:cNvCxnSpPr/>
+            <p:nvPr/>
+          </p:nvCxnSpPr>
+          <p:spPr>
+            <a:xfrm>
+              <a:off x="7042707" y="0"/>
+              <a:ext cx="1219200" cy="6858000"/>
+            </a:xfrm>
+            <a:prstGeom prst="line">
+              <a:avLst/>
+            </a:prstGeom>
+            <a:ln w="9525">
+              <a:solidFill>
+                <a:schemeClr val="bg1">
+                  <a:lumMod val="75000"/>
+                </a:schemeClr>
+              </a:solidFill>
+            </a:ln>
+          </p:spPr>
+          <p:style>
+            <a:lnRef idx="2">
+              <a:schemeClr val="accent1"/>
+            </a:lnRef>
+            <a:fillRef idx="0">
+              <a:schemeClr val="accent1"/>
+            </a:fillRef>
+            <a:effectRef idx="1">
+              <a:schemeClr val="accent1"/>
+            </a:effectRef>
+            <a:fontRef idx="minor">
+              <a:schemeClr val="tx1"/>
+            </a:fontRef>
+          </p:style>
+        </p:cxnSp>
+        <p:sp>
+          <p:nvSpPr>
+            <p:cNvPr id="19" name="Freeform 18"/>
+            <p:cNvSpPr/>
+            <p:nvPr/>
+          </p:nvSpPr>
+          <p:spPr>
+            <a:xfrm>
+              <a:off x="6891896" y="1"/>
+              <a:ext cx="2269442" cy="6866466"/>
+            </a:xfrm>
+            <a:custGeom>
+              <a:avLst/>
+              <a:gdLst/>
+              <a:ahLst/>
+              <a:cxnLst/>
+              <a:rect b="b" l="l" r="r" t="t"/>
+              <a:pathLst>
+                <a:path h="6866466" w="2269442">
+                  <a:moveTo>
+                    <a:pt x="2023534" y="0"/>
+                  </a:moveTo>
+                  <a:lnTo>
+                    <a:pt x="0" y="6858000"/>
+                  </a:lnTo>
+                  <a:lnTo>
+                    <a:pt x="2269067" y="6866466"/>
+                  </a:lnTo>
+                  <a:cubicBezTo>
+                    <a:pt x="2271889" y="4580466"/>
+                    <a:pt x="2257778" y="2294466"/>
+                    <a:pt x="2260600" y="8466"/>
+                  </a:cubicBezTo>
+                  <a:lnTo>
+                    <a:pt x="2023534" y="0"/>
+                  </a:lnTo>
+                  <a:close/>
+                </a:path>
+              </a:pathLst>
+            </a:custGeom>
+            <a:solidFill>
+              <a:schemeClr val="accent1">
+                <a:alpha val="30000"/>
+              </a:schemeClr>
+            </a:solidFill>
+            <a:ln>
+              <a:noFill/>
+            </a:ln>
+            <a:effectLst/>
+          </p:spPr>
+          <p:style>
+            <a:lnRef idx="1">
+              <a:schemeClr val="accent1"/>
+            </a:lnRef>
+            <a:fillRef idx="3">
+              <a:schemeClr val="accent1"/>
+            </a:fillRef>
+            <a:effectRef idx="2">
+              <a:schemeClr val="accent1"/>
+            </a:effectRef>
+            <a:fontRef idx="minor">
+              <a:schemeClr val="lt1"/>
+            </a:fontRef>
+          </p:style>
+          <p:txBody>
+            <a:bodyPr anchor="t" rtlCol="0"/>
+            <a:lstStyle/>
+            <a:p>
+              <a:pPr algn="l"/>
+              <a:endParaRPr lang="en-US" sz="1100"/>
+            </a:p>
+          </p:txBody>
+        </p:sp>
+        <p:sp>
+          <p:nvSpPr>
+            <p:cNvPr id="20" name="Freeform 19"/>
+            <p:cNvSpPr/>
+            <p:nvPr/>
+          </p:nvSpPr>
+          <p:spPr>
+            <a:xfrm>
+              <a:off x="7205158" y="-8467"/>
+              <a:ext cx="1948147" cy="6866467"/>
+            </a:xfrm>
+            <a:custGeom>
+              <a:avLst/>
+              <a:gdLst/>
+              <a:ahLst/>
+              <a:cxnLst/>
+              <a:rect b="b" l="l" r="r" t="t"/>
+              <a:pathLst>
+                <a:path h="6866467" w="1948147">
+                  <a:moveTo>
+                    <a:pt x="0" y="0"/>
+                  </a:moveTo>
+                  <a:lnTo>
+                    <a:pt x="1202267" y="6866467"/>
+                  </a:lnTo>
+                  <a:lnTo>
+                    <a:pt x="1947333" y="6866467"/>
+                  </a:lnTo>
+                  <a:cubicBezTo>
+                    <a:pt x="1944511" y="4577645"/>
+                    <a:pt x="1950155" y="2288822"/>
+                    <a:pt x="1947333" y="0"/>
+                  </a:cubicBezTo>
+                  <a:lnTo>
+                    <a:pt x="0" y="0"/>
+                  </a:lnTo>
+                  <a:close/>
+                </a:path>
+              </a:pathLst>
+            </a:custGeom>
+            <a:solidFill>
+              <a:schemeClr val="accent1">
+                <a:alpha val="20000"/>
+              </a:schemeClr>
+            </a:solidFill>
+            <a:ln>
+              <a:noFill/>
+            </a:ln>
+            <a:effectLst/>
+          </p:spPr>
+          <p:style>
+            <a:lnRef idx="1">
+              <a:schemeClr val="accent1"/>
+            </a:lnRef>
+            <a:fillRef idx="3">
+              <a:schemeClr val="accent1"/>
+            </a:fillRef>
+            <a:effectRef idx="2">
+              <a:schemeClr val="accent1"/>
+            </a:effectRef>
+            <a:fontRef idx="minor">
+              <a:schemeClr val="lt1"/>
+            </a:fontRef>
+          </p:style>
+          <p:txBody>
+            <a:bodyPr anchor="t" rtlCol="0"/>
+            <a:lstStyle/>
+            <a:p>
+              <a:pPr algn="l"/>
+              <a:endParaRPr lang="en-US" sz="1100"/>
+            </a:p>
+          </p:txBody>
+        </p:sp>
+        <p:sp>
+          <p:nvSpPr>
+            <p:cNvPr id="21" name="Freeform 20"/>
+            <p:cNvSpPr/>
+            <p:nvPr/>
+          </p:nvSpPr>
+          <p:spPr>
+            <a:xfrm>
+              <a:off x="6637896" y="3920066"/>
+              <a:ext cx="2513565" cy="2937933"/>
+            </a:xfrm>
+            <a:custGeom>
+              <a:avLst/>
+              <a:gdLst/>
+              <a:ahLst/>
+              <a:cxnLst/>
+              <a:rect b="b" l="l" r="r" t="t"/>
+              <a:pathLst>
+                <a:path h="3810000" w="3259667">
+                  <a:moveTo>
+                    <a:pt x="0" y="3810000"/>
+                  </a:moveTo>
+                  <a:lnTo>
+                    <a:pt x="3251200" y="0"/>
+                  </a:lnTo>
+                  <a:cubicBezTo>
+                    <a:pt x="3254022" y="1270000"/>
+                    <a:pt x="3256845" y="2540000"/>
+                    <a:pt x="3259667" y="3810000"/>
+                  </a:cubicBezTo>
+                  <a:lnTo>
+                    <a:pt x="0" y="3810000"/>
+                  </a:lnTo>
+                  <a:close/>
+                </a:path>
+              </a:pathLst>
+            </a:custGeom>
+            <a:solidFill>
+              <a:schemeClr val="accent2">
+                <a:alpha val="72000"/>
+              </a:schemeClr>
+            </a:solidFill>
+            <a:ln>
+              <a:noFill/>
+            </a:ln>
+            <a:effectLst/>
+          </p:spPr>
+          <p:style>
+            <a:lnRef idx="1">
+              <a:schemeClr val="accent1"/>
+            </a:lnRef>
+            <a:fillRef idx="3">
+              <a:schemeClr val="accent1"/>
+            </a:fillRef>
+            <a:effectRef idx="2">
+              <a:schemeClr val="accent1"/>
+            </a:effectRef>
+            <a:fontRef idx="minor">
+              <a:schemeClr val="lt1"/>
+            </a:fontRef>
+          </p:style>
+          <p:txBody>
+            <a:bodyPr anchor="t" rtlCol="0"/>
+            <a:lstStyle/>
+            <a:p>
+              <a:pPr algn="l"/>
+              <a:endParaRPr lang="en-US" sz="1100"/>
+            </a:p>
+          </p:txBody>
+        </p:sp>
+        <p:sp>
+          <p:nvSpPr>
+            <p:cNvPr id="22" name="Freeform 21"/>
+            <p:cNvSpPr/>
+            <p:nvPr/>
+          </p:nvSpPr>
+          <p:spPr>
+            <a:xfrm>
+              <a:off x="7010429" y="-8467"/>
+              <a:ext cx="2142876" cy="6866467"/>
+            </a:xfrm>
+            <a:custGeom>
+              <a:avLst/>
+              <a:gdLst/>
+              <a:ahLst/>
+              <a:cxnLst/>
+              <a:rect b="b" l="l" r="r" t="t"/>
+              <a:pathLst>
+                <a:path h="6866467" w="2853267">
+                  <a:moveTo>
+                    <a:pt x="0" y="0"/>
+                  </a:moveTo>
+                  <a:lnTo>
+                    <a:pt x="2472267" y="6866467"/>
+                  </a:lnTo>
+                  <a:lnTo>
+                    <a:pt x="2853267" y="6858000"/>
+                  </a:lnTo>
+                  <a:lnTo>
+                    <a:pt x="2853267" y="0"/>
+                  </a:lnTo>
+                  <a:lnTo>
+                    <a:pt x="0" y="0"/>
+                  </a:lnTo>
+                  <a:close/>
+                </a:path>
+              </a:pathLst>
+            </a:custGeom>
+            <a:solidFill>
+              <a:schemeClr val="accent2">
+                <a:lumMod val="75000"/>
+                <a:alpha val="70000"/>
+              </a:schemeClr>
+            </a:solidFill>
+            <a:ln>
+              <a:noFill/>
+            </a:ln>
+            <a:effectLst/>
+          </p:spPr>
+          <p:style>
+            <a:lnRef idx="1">
+              <a:schemeClr val="accent1"/>
+            </a:lnRef>
+            <a:fillRef idx="3">
+              <a:schemeClr val="accent1"/>
+            </a:fillRef>
+            <a:effectRef idx="2">
+              <a:schemeClr val="accent1"/>
+            </a:effectRef>
+            <a:fontRef idx="minor">
+              <a:schemeClr val="lt1"/>
+            </a:fontRef>
+          </p:style>
+          <p:txBody>
+            <a:bodyPr anchor="t" rtlCol="0"/>
+            <a:lstStyle/>
+            <a:p>
+              <a:pPr algn="l"/>
+              <a:endParaRPr lang="en-US" sz="1100"/>
+            </a:p>
+          </p:txBody>
+        </p:sp>
+        <p:sp>
+          <p:nvSpPr>
+            <p:cNvPr id="23" name="Freeform 22"/>
+            <p:cNvSpPr/>
+            <p:nvPr/>
+          </p:nvSpPr>
+          <p:spPr>
+            <a:xfrm>
+              <a:off x="8295776" y="-8467"/>
+              <a:ext cx="857530" cy="6866467"/>
+            </a:xfrm>
+            <a:custGeom>
+              <a:avLst/>
+              <a:gdLst/>
+              <a:ahLst/>
+              <a:cxnLst/>
+              <a:rect b="b" l="l" r="r" t="t"/>
+              <a:pathLst>
+                <a:path h="6866467" w="1286933">
+                  <a:moveTo>
+                    <a:pt x="1016000" y="0"/>
+                  </a:moveTo>
+                  <a:lnTo>
+                    <a:pt x="0" y="6866467"/>
+                  </a:lnTo>
+                  <a:lnTo>
+                    <a:pt x="1286933" y="6866467"/>
+                  </a:lnTo>
+                  <a:cubicBezTo>
+                    <a:pt x="1284111" y="4577645"/>
+                    <a:pt x="1281288" y="2288822"/>
+                    <a:pt x="1278466" y="0"/>
+                  </a:cubicBezTo>
+                  <a:lnTo>
+                    <a:pt x="1016000" y="0"/>
+                  </a:lnTo>
+                  <a:close/>
+                </a:path>
+              </a:pathLst>
+            </a:custGeom>
+            <a:solidFill>
+              <a:schemeClr val="accent1">
+                <a:lumMod val="60000"/>
+                <a:lumOff val="40000"/>
+                <a:alpha val="70000"/>
+              </a:schemeClr>
+            </a:solidFill>
+            <a:ln>
+              <a:noFill/>
+            </a:ln>
+            <a:effectLst/>
+          </p:spPr>
+          <p:style>
+            <a:lnRef idx="1">
+              <a:schemeClr val="accent1"/>
+            </a:lnRef>
+            <a:fillRef idx="3">
+              <a:schemeClr val="accent1"/>
+            </a:fillRef>
+            <a:effectRef idx="2">
+              <a:schemeClr val="accent1"/>
+            </a:effectRef>
+            <a:fontRef idx="minor">
+              <a:schemeClr val="lt1"/>
+            </a:fontRef>
+          </p:style>
+          <p:txBody>
+            <a:bodyPr anchor="t" rtlCol="0"/>
+            <a:lstStyle/>
+            <a:p>
+              <a:pPr algn="l"/>
+              <a:endParaRPr lang="en-US" sz="1100"/>
+            </a:p>
+          </p:txBody>
+        </p:sp>
+        <p:sp>
+          <p:nvSpPr>
+            <p:cNvPr id="24" name="Freeform 23"/>
+            <p:cNvSpPr/>
+            <p:nvPr/>
+          </p:nvSpPr>
+          <p:spPr>
+            <a:xfrm>
+              <a:off x="8077231" y="-8468"/>
+              <a:ext cx="1066770" cy="6866467"/>
+            </a:xfrm>
+            <a:custGeom>
+              <a:avLst/>
+              <a:gdLst/>
+              <a:ahLst/>
+              <a:cxnLst/>
+              <a:rect b="b" l="l" r="r" t="t"/>
+              <a:pathLst>
+                <a:path h="6866467" w="1270244">
+                  <a:moveTo>
+                    <a:pt x="0" y="0"/>
+                  </a:moveTo>
+                  <a:lnTo>
+                    <a:pt x="1117600" y="6866467"/>
+                  </a:lnTo>
+                  <a:lnTo>
+                    <a:pt x="1270000" y="6866467"/>
+                  </a:lnTo>
+                  <a:cubicBezTo>
+                    <a:pt x="1272822" y="4574822"/>
+                    <a:pt x="1250245" y="2291645"/>
+                    <a:pt x="1253067" y="0"/>
+                  </a:cubicBezTo>
+                  <a:lnTo>
+                    <a:pt x="0" y="0"/>
+                  </a:lnTo>
+                  <a:close/>
+                </a:path>
+              </a:pathLst>
+            </a:custGeom>
+            <a:solidFill>
+              <a:schemeClr val="accent1">
+                <a:alpha val="65000"/>
+              </a:schemeClr>
+            </a:solidFill>
+            <a:ln>
+              <a:noFill/>
+            </a:ln>
+            <a:effectLst/>
+          </p:spPr>
+          <p:style>
+            <a:lnRef idx="1">
+              <a:schemeClr val="accent1"/>
+            </a:lnRef>
+            <a:fillRef idx="3">
+              <a:schemeClr val="accent1"/>
+            </a:fillRef>
+            <a:effectRef idx="2">
+              <a:schemeClr val="accent1"/>
+            </a:effectRef>
+            <a:fontRef idx="minor">
+              <a:schemeClr val="lt1"/>
+            </a:fontRef>
+          </p:style>
+          <p:txBody>
+            <a:bodyPr anchor="t" rtlCol="0"/>
+            <a:lstStyle/>
+            <a:p>
+              <a:pPr algn="l"/>
+              <a:endParaRPr lang="en-US" sz="1100"/>
+            </a:p>
+          </p:txBody>
+        </p:sp>
+        <p:sp>
+          <p:nvSpPr>
+            <p:cNvPr id="25" name="Freeform 24"/>
+            <p:cNvSpPr/>
+            <p:nvPr/>
+          </p:nvSpPr>
+          <p:spPr>
+            <a:xfrm>
+              <a:off x="8060297" y="4893733"/>
+              <a:ext cx="1094086" cy="1964267"/>
+            </a:xfrm>
+            <a:custGeom>
+              <a:avLst/>
+              <a:gdLst/>
+              <a:ahLst/>
+              <a:cxnLst/>
+              <a:rect b="b" l="l" r="r" t="t"/>
+              <a:pathLst>
+                <a:path h="3268133" w="1820333">
+                  <a:moveTo>
+                    <a:pt x="0" y="3268133"/>
+                  </a:moveTo>
+                  <a:lnTo>
+                    <a:pt x="1811866" y="0"/>
+                  </a:lnTo>
+                  <a:cubicBezTo>
+                    <a:pt x="1814688" y="1086555"/>
+                    <a:pt x="1817511" y="2173111"/>
+                    <a:pt x="1820333" y="3259666"/>
+                  </a:cubicBezTo>
+                  <a:lnTo>
+                    <a:pt x="0" y="3268133"/>
+                  </a:lnTo>
+                  <a:close/>
+                </a:path>
+              </a:pathLst>
+            </a:custGeom>
+            <a:solidFill>
+              <a:schemeClr val="accent1">
+                <a:alpha val="80000"/>
+              </a:schemeClr>
+            </a:solidFill>
+            <a:ln>
+              <a:noFill/>
+            </a:ln>
+            <a:effectLst/>
+          </p:spPr>
+          <p:style>
+            <a:lnRef idx="1">
+              <a:schemeClr val="accent1"/>
+            </a:lnRef>
+            <a:fillRef idx="3">
+              <a:schemeClr val="accent1"/>
+            </a:fillRef>
+            <a:effectRef idx="2">
+              <a:schemeClr val="accent1"/>
+            </a:effectRef>
+            <a:fontRef idx="minor">
+              <a:schemeClr val="lt1"/>
+            </a:fontRef>
+          </p:style>
+          <p:txBody>
+            <a:bodyPr anchor="t" rtlCol="0"/>
+            <a:lstStyle/>
+            <a:p>
+              <a:pPr algn="l"/>
+              <a:endParaRPr lang="en-US" sz="1100"/>
+            </a:p>
+          </p:txBody>
+        </p:sp>
+        <p:sp>
+          <p:nvSpPr>
+            <p:cNvPr id="28" name="Freeform 27"/>
+            <p:cNvSpPr/>
+            <p:nvPr/>
+          </p:nvSpPr>
+          <p:spPr>
+            <a:xfrm>
+              <a:off x="-8466" y="-8468"/>
+              <a:ext cx="863600" cy="5698067"/>
+            </a:xfrm>
+            <a:custGeom>
+              <a:avLst/>
+              <a:gdLst/>
+              <a:ahLst/>
+              <a:cxnLst/>
+              <a:rect b="b" l="l" r="r" t="t"/>
+              <a:pathLst>
+                <a:path h="5698067" w="863600">
+                  <a:moveTo>
+                    <a:pt x="0" y="8467"/>
+                  </a:moveTo>
+                  <a:lnTo>
+                    <a:pt x="863600" y="0"/>
+                  </a:lnTo>
+                  <a:lnTo>
+                    <a:pt x="863600" y="16934"/>
+                  </a:lnTo>
+                  <a:lnTo>
+                    <a:pt x="0" y="5698067"/>
+                  </a:lnTo>
+                  <a:lnTo>
+                    <a:pt x="0" y="8467"/>
+                  </a:lnTo>
+                  <a:close/>
+                </a:path>
+              </a:pathLst>
+            </a:custGeom>
+            <a:solidFill>
+              <a:schemeClr val="accent1">
+                <a:alpha val="85000"/>
+              </a:schemeClr>
+            </a:solidFill>
+            <a:ln>
+              <a:noFill/>
+            </a:ln>
+            <a:effectLst/>
+          </p:spPr>
+          <p:style>
+            <a:lnRef idx="1">
+              <a:schemeClr val="accent1"/>
+            </a:lnRef>
+            <a:fillRef idx="3">
+              <a:schemeClr val="accent1"/>
+            </a:fillRef>
+            <a:effectRef idx="2">
+              <a:schemeClr val="accent1"/>
+            </a:effectRef>
+            <a:fontRef idx="minor">
+              <a:schemeClr val="lt1"/>
+            </a:fontRef>
+          </p:style>
+          <p:txBody>
+            <a:bodyPr anchor="t" rtlCol="0"/>
+            <a:lstStyle/>
+            <a:p>
+              <a:pPr algn="l"/>
+              <a:endParaRPr lang="en-US" sz="1100"/>
+            </a:p>
+          </p:txBody>
+        </p:sp>
+      </p:grpSp>
+      <p:sp>
+        <p:nvSpPr>
+          <p:cNvPr id="2" name="Title 1"/>
+          <p:cNvSpPr>
+            <a:spLocks noGrp="1"/>
+          </p:cNvSpPr>
+          <p:nvPr>
+            <p:ph type="ctrTitle"/>
+          </p:nvPr>
+        </p:nvSpPr>
+        <p:spPr>
+          <a:xfrm>
+            <a:off x="1130595" y="2404534"/>
+            <a:ext cx="5826719" cy="1646302"/>
+          </a:xfrm>
+        </p:spPr>
+        <p:txBody>
+          <a:bodyPr anchor="b">
+            <a:noAutofit/>
+          </a:bodyPr>
+          <a:lstStyle>
+            <a:lvl1pPr algn="r">
+              <a:defRPr sz="5400">
+                <a:solidFill>
+                  <a:schemeClr val="accent1"/>
+                </a:solidFill>
+              </a:defRPr>
+            </a:lvl1pPr>
+          </a:lstStyle>
+          <a:p>
+            <a:r>
+              <a:rPr lang="es-ES" smtClean="0">
+                <a:solidFill>
+                  <a:srgbClr val="90C226"/>
+                </a:solidFill>
+              </a:rPr>
+              <a:t>Haga clic para modificar el estilo de título del patrón</a:t>
+            </a:r>
+            <a:endParaRPr dirty="0" lang="en-US"/>
+          </a:p>
+        </p:txBody>
+      </p:sp>
+      <p:sp>
+        <p:nvSpPr>
+          <p:cNvPr id="3" name="Subtitle 2"/>
+          <p:cNvSpPr>
+            <a:spLocks noGrp="1"/>
+          </p:cNvSpPr>
+          <p:nvPr>
+            <p:ph idx="1" type="subTitle"/>
+          </p:nvPr>
+        </p:nvSpPr>
+        <p:spPr>
+          <a:xfrm>
+            <a:off x="1130595" y="4050834"/>
+            <a:ext cx="5826719" cy="1096899"/>
+          </a:xfrm>
+        </p:spPr>
+        <p:txBody>
+          <a:bodyPr anchor="t"/>
+          <a:lstStyle>
+            <a:lvl1pPr algn="r" indent="0" marL="0">
+              <a:buNone/>
+              <a:defRPr>
+                <a:solidFill>
+                  <a:schemeClr val="tx1">
+                    <a:lumMod val="50000"/>
+                    <a:lumOff val="50000"/>
+                  </a:schemeClr>
+                </a:solidFill>
+              </a:defRPr>
+            </a:lvl1pPr>
+            <a:lvl2pPr algn="ctr" indent="0" marL="457200">
+              <a:buNone/>
+              <a:defRPr>
+                <a:solidFill>
+                  <a:schemeClr val="tx1">
+                    <a:tint val="75000"/>
+                  </a:schemeClr>
+                </a:solidFill>
+              </a:defRPr>
+            </a:lvl2pPr>
+            <a:lvl3pPr algn="ctr" indent="0" marL="914400">
+              <a:buNone/>
+              <a:defRPr>
+                <a:solidFill>
+                  <a:schemeClr val="tx1">
+                    <a:tint val="75000"/>
+                  </a:schemeClr>
+                </a:solidFill>
+              </a:defRPr>
+            </a:lvl3pPr>
+            <a:lvl4pPr algn="ctr" indent="0" marL="1371600">
+              <a:buNone/>
+              <a:defRPr>
+                <a:solidFill>
+                  <a:schemeClr val="tx1">
+                    <a:tint val="75000"/>
+                  </a:schemeClr>
+                </a:solidFill>
+              </a:defRPr>
+            </a:lvl4pPr>
+            <a:lvl5pPr algn="ctr" indent="0" marL="1828800">
+              <a:buNone/>
+              <a:defRPr>
+                <a:solidFill>
+                  <a:schemeClr val="tx1">
+                    <a:tint val="75000"/>
+                  </a:schemeClr>
+                </a:solidFill>
+              </a:defRPr>
+            </a:lvl5pPr>
+            <a:lvl6pPr algn="ctr" indent="0" marL="2286000">
+              <a:buNone/>
+              <a:defRPr>
+                <a:solidFill>
+                  <a:schemeClr val="tx1">
+                    <a:tint val="75000"/>
+                  </a:schemeClr>
+                </a:solidFill>
+              </a:defRPr>
+            </a:lvl6pPr>
+            <a:lvl7pPr algn="ctr" indent="0" marL="2743200">
+              <a:buNone/>
+              <a:defRPr>
+                <a:solidFill>
+                  <a:schemeClr val="tx1">
+                    <a:tint val="75000"/>
+                  </a:schemeClr>
+                </a:solidFill>
+              </a:defRPr>
+            </a:lvl7pPr>
+            <a:lvl8pPr algn="ctr" indent="0" marL="3200400">
+              <a:buNone/>
+              <a:defRPr>
+                <a:solidFill>
+                  <a:schemeClr val="tx1">
+                    <a:tint val="75000"/>
+                  </a:schemeClr>
+                </a:solidFill>
+              </a:defRPr>
+            </a:lvl8pPr>
+            <a:lvl9pPr algn="ctr" indent="0" marL="3657600">
+              <a:buNone/>
+              <a:defRPr>
+                <a:solidFill>
+                  <a:schemeClr val="tx1">
+                    <a:tint val="75000"/>
+                  </a:schemeClr>
+                </a:solidFill>
+              </a:defRPr>
+            </a:lvl9pPr>
+          </a:lstStyle>
+          <a:p>
+            <a:r>
+              <a:rPr lang="es-ES" smtClean="0">
+                <a:solidFill>
+                  <a:scrgbClr b="21404" g="21404" r="21404"/>
+                </a:solidFill>
+              </a:rPr>
+              <a:t>Haga clic para modificar el estilo de subtítulo del patrón</a:t>
+            </a:r>
+            <a:endParaRPr dirty="0" lang="en-US"/>
+          </a:p>
+        </p:txBody>
+      </p:sp>
+      <p:sp>
+        <p:nvSpPr>
+          <p:cNvPr id="4" name="Date Placeholder 3"/>
+          <p:cNvSpPr>
+            <a:spLocks noGrp="1"/>
+          </p:cNvSpPr>
+          <p:nvPr>
+            <p:ph idx="10" sz="half" type="dt"/>
           </p:nvPr>
         </p:nvSpPr>
         <p:spPr/>
@@ -4210,7 +5046,7 @@
             <a:fld id="{1D8BD707-D9CF-40AE-B4C6-C98DA3205C09}" type="datetimeFigureOut">
               <a:rPr lang="en-US" smtClean="0"/>
               <a:pPr/>
-              <a:t>5/12/2017</a:t>
+              <a:t>5/13/2017</a:t>
             </a:fld>
             <a:endParaRPr lang="en-US"/>
           </a:p>
@@ -4218,12 +5054,12 @@
       </p:sp>
       <p:sp>
         <p:nvSpPr>
-          <p:cNvPr id="3" name="Footer Placeholder 2"/>
-          <p:cNvSpPr>
-            <a:spLocks noGrp="1"/>
-          </p:cNvSpPr>
-          <p:nvPr>
-            <p:ph type="ftr" sz="quarter" idx="11"/>
+          <p:cNvPr id="5" name="Footer Placeholder 4"/>
+          <p:cNvSpPr>
+            <a:spLocks noGrp="1"/>
+          </p:cNvSpPr>
+          <p:nvPr>
+            <p:ph idx="11" sz="quarter" type="ftr"/>
           </p:nvPr>
         </p:nvSpPr>
         <p:spPr/>
@@ -4237,12 +5073,12 @@
       </p:sp>
       <p:sp>
         <p:nvSpPr>
-          <p:cNvPr id="4" name="Slide Number Placeholder 3"/>
-          <p:cNvSpPr>
-            <a:spLocks noGrp="1"/>
-          </p:cNvSpPr>
-          <p:nvPr>
-            <p:ph type="sldNum" sz="quarter" idx="12"/>
+          <p:cNvPr id="6" name="Slide Number Placeholder 5"/>
+          <p:cNvSpPr>
+            <a:spLocks noGrp="1"/>
+          </p:cNvSpPr>
+          <p:nvPr>
+            <p:ph idx="12" sz="quarter" type="sldNum"/>
           </p:nvPr>
         </p:nvSpPr>
         <p:spPr/>
@@ -4273,7 +5109,7 @@
 </file>
 
 <file path=ppt/slideLayouts/slideLayout8.xml><?xml version="1.0" encoding="utf-8"?>
-<p:sldLayout xmlns:a="http://schemas.openxmlformats.org/drawingml/2006/main" xmlns:r="http://schemas.openxmlformats.org/officeDocument/2006/relationships" xmlns:p="http://schemas.openxmlformats.org/presentationml/2006/main" type="objTx" preserve="1">
+<p:sldLayout xmlns:a="http://schemas.openxmlformats.org/drawingml/2006/main" xmlns:p="http://schemas.openxmlformats.org/presentationml/2006/main" xmlns:r="http://schemas.openxmlformats.org/officeDocument/2006/relationships" preserve="1" type="objTx">
   <p:cSld name="Contenido con título">
     <p:spTree>
       <p:nvGrpSpPr>
@@ -4319,7 +5155,7 @@
               <a:rPr lang="es-ES" smtClean="0"/>
               <a:t>Haga clic para modificar el estilo de título del patrón</a:t>
             </a:r>
-            <a:endParaRPr lang="en-US" dirty="0"/>
+            <a:endParaRPr dirty="0" lang="en-US"/>
           </a:p>
         </p:txBody>
       </p:sp>
@@ -4378,7 +5214,7 @@
               <a:rPr lang="es-ES" smtClean="0"/>
               <a:t>Quinto nivel</a:t>
             </a:r>
-            <a:endParaRPr lang="en-US" dirty="0"/>
+            <a:endParaRPr dirty="0" lang="en-US"/>
           </a:p>
         </p:txBody>
       </p:sp>
@@ -4389,7 +5225,7 @@
             <a:spLocks noGrp="1"/>
           </p:cNvSpPr>
           <p:nvPr>
-            <p:ph type="body" sz="half" idx="2"/>
+            <p:ph idx="2" sz="half" type="body"/>
           </p:nvPr>
         </p:nvSpPr>
         <p:spPr>
@@ -4403,39 +5239,39 @@
             <a:normAutofit/>
           </a:bodyPr>
           <a:lstStyle>
-            <a:lvl1pPr marL="0" indent="0">
+            <a:lvl1pPr indent="0" marL="0">
               <a:buNone/>
               <a:defRPr sz="1400"/>
             </a:lvl1pPr>
-            <a:lvl2pPr marL="342900" indent="0">
+            <a:lvl2pPr indent="0" marL="342900">
               <a:buNone/>
               <a:defRPr sz="1050"/>
             </a:lvl2pPr>
-            <a:lvl3pPr marL="685800" indent="0">
+            <a:lvl3pPr indent="0" marL="685800">
               <a:buNone/>
               <a:defRPr sz="900"/>
             </a:lvl3pPr>
-            <a:lvl4pPr marL="1028700" indent="0">
+            <a:lvl4pPr indent="0" marL="1028700">
               <a:buNone/>
               <a:defRPr sz="750"/>
             </a:lvl4pPr>
-            <a:lvl5pPr marL="1371600" indent="0">
+            <a:lvl5pPr indent="0" marL="1371600">
               <a:buNone/>
               <a:defRPr sz="750"/>
             </a:lvl5pPr>
-            <a:lvl6pPr marL="1714500" indent="0">
+            <a:lvl6pPr indent="0" marL="1714500">
               <a:buNone/>
               <a:defRPr sz="750"/>
             </a:lvl6pPr>
-            <a:lvl7pPr marL="2057400" indent="0">
+            <a:lvl7pPr indent="0" marL="2057400">
               <a:buNone/>
               <a:defRPr sz="750"/>
             </a:lvl7pPr>
-            <a:lvl8pPr marL="2400300" indent="0">
+            <a:lvl8pPr indent="0" marL="2400300">
               <a:buNone/>
               <a:defRPr sz="750"/>
             </a:lvl8pPr>
-            <a:lvl9pPr marL="2743200" indent="0">
+            <a:lvl9pPr indent="0" marL="2743200">
               <a:buNone/>
               <a:defRPr sz="750"/>
             </a:lvl9pPr>
@@ -4456,7 +5292,7 @@
             <a:spLocks noGrp="1"/>
           </p:cNvSpPr>
           <p:nvPr>
-            <p:ph type="dt" sz="half" idx="10"/>
+            <p:ph idx="10" sz="half" type="dt"/>
           </p:nvPr>
         </p:nvSpPr>
         <p:spPr/>
@@ -4467,7 +5303,7 @@
             <a:fld id="{1D8BD707-D9CF-40AE-B4C6-C98DA3205C09}" type="datetimeFigureOut">
               <a:rPr lang="en-US" smtClean="0"/>
               <a:pPr/>
-              <a:t>5/12/2017</a:t>
+              <a:t>5/13/2017</a:t>
             </a:fld>
             <a:endParaRPr lang="en-US"/>
           </a:p>
@@ -4480,7 +5316,7 @@
             <a:spLocks noGrp="1"/>
           </p:cNvSpPr>
           <p:nvPr>
-            <p:ph type="ftr" sz="quarter" idx="11"/>
+            <p:ph idx="11" sz="quarter" type="ftr"/>
           </p:nvPr>
         </p:nvSpPr>
         <p:spPr/>
@@ -4499,7 +5335,7 @@
             <a:spLocks noGrp="1"/>
           </p:cNvSpPr>
           <p:nvPr>
-            <p:ph type="sldNum" sz="quarter" idx="12"/>
+            <p:ph idx="12" sz="quarter" type="sldNum"/>
           </p:nvPr>
         </p:nvSpPr>
         <p:spPr/>
@@ -4530,7 +5366,7 @@
 </file>
 
 <file path=ppt/slideLayouts/slideLayout9.xml><?xml version="1.0" encoding="utf-8"?>
-<p:sldLayout xmlns:a="http://schemas.openxmlformats.org/drawingml/2006/main" xmlns:r="http://schemas.openxmlformats.org/officeDocument/2006/relationships" xmlns:p="http://schemas.openxmlformats.org/presentationml/2006/main" type="picTx" preserve="1">
+<p:sldLayout xmlns:a="http://schemas.openxmlformats.org/drawingml/2006/main" xmlns:p="http://schemas.openxmlformats.org/presentationml/2006/main" xmlns:r="http://schemas.openxmlformats.org/officeDocument/2006/relationships" preserve="1" type="picTx">
   <p:cSld name="Imagen con título">
     <p:spTree>
       <p:nvGrpSpPr>
@@ -4568,7 +5404,7 @@
           </a:bodyPr>
           <a:lstStyle>
             <a:lvl1pPr algn="l">
-              <a:defRPr sz="2400" b="0"/>
+              <a:defRPr b="0" sz="2400"/>
             </a:lvl1pPr>
           </a:lstStyle>
           <a:p>
@@ -4576,7 +5412,7 @@
               <a:rPr lang="es-ES" smtClean="0"/>
               <a:t>Haga clic para modificar el estilo de título del patrón</a:t>
             </a:r>
-            <a:endParaRPr lang="en-US" dirty="0"/>
+            <a:endParaRPr dirty="0" lang="en-US"/>
           </a:p>
         </p:txBody>
       </p:sp>
@@ -4584,10 +5420,10 @@
         <p:nvSpPr>
           <p:cNvPr id="3" name="Picture Placeholder 2"/>
           <p:cNvSpPr>
-            <a:spLocks noGrp="1" noChangeAspect="1"/>
-          </p:cNvSpPr>
-          <p:nvPr>
-            <p:ph type="pic" idx="1"/>
+            <a:spLocks noChangeAspect="1" noGrp="1"/>
+          </p:cNvSpPr>
+          <p:nvPr>
+            <p:ph idx="1" type="pic"/>
           </p:nvPr>
         </p:nvSpPr>
         <p:spPr>
@@ -4601,39 +5437,39 @@
             <a:normAutofit/>
           </a:bodyPr>
           <a:lstStyle>
-            <a:lvl1pPr marL="0" indent="0" algn="ctr">
+            <a:lvl1pPr algn="ctr" indent="0" marL="0">
               <a:buNone/>
               <a:defRPr sz="1600"/>
             </a:lvl1pPr>
-            <a:lvl2pPr marL="457200" indent="0">
+            <a:lvl2pPr indent="0" marL="457200">
               <a:buNone/>
               <a:defRPr sz="1600"/>
             </a:lvl2pPr>
-            <a:lvl3pPr marL="914400" indent="0">
+            <a:lvl3pPr indent="0" marL="914400">
               <a:buNone/>
               <a:defRPr sz="1600"/>
             </a:lvl3pPr>
-            <a:lvl4pPr marL="1371600" indent="0">
+            <a:lvl4pPr indent="0" marL="1371600">
               <a:buNone/>
               <a:defRPr sz="1600"/>
             </a:lvl4pPr>
-            <a:lvl5pPr marL="1828800" indent="0">
+            <a:lvl5pPr indent="0" marL="1828800">
               <a:buNone/>
               <a:defRPr sz="1600"/>
             </a:lvl5pPr>
-            <a:lvl6pPr marL="2286000" indent="0">
+            <a:lvl6pPr indent="0" marL="2286000">
               <a:buNone/>
               <a:defRPr sz="1600"/>
             </a:lvl6pPr>
-            <a:lvl7pPr marL="2743200" indent="0">
+            <a:lvl7pPr indent="0" marL="2743200">
               <a:buNone/>
               <a:defRPr sz="1600"/>
             </a:lvl7pPr>
-            <a:lvl8pPr marL="3200400" indent="0">
+            <a:lvl8pPr indent="0" marL="3200400">
               <a:buNone/>
               <a:defRPr sz="1600"/>
             </a:lvl8pPr>
-            <a:lvl9pPr marL="3657600" indent="0">
+            <a:lvl9pPr indent="0" marL="3657600">
               <a:buNone/>
               <a:defRPr sz="1600"/>
             </a:lvl9pPr>
@@ -4643,7 +5479,7 @@
               <a:rPr lang="es-ES" smtClean="0"/>
               <a:t>Haga clic en el icono para agregar una imagen</a:t>
             </a:r>
-            <a:endParaRPr lang="en-US" dirty="0"/>
+            <a:endParaRPr dirty="0" lang="en-US"/>
           </a:p>
         </p:txBody>
       </p:sp>
@@ -4654,7 +5490,7 @@
             <a:spLocks noGrp="1"/>
           </p:cNvSpPr>
           <p:nvPr>
-            <p:ph type="body" sz="half" idx="2"/>
+            <p:ph idx="2" sz="half" type="body"/>
           </p:nvPr>
         </p:nvSpPr>
         <p:spPr>
@@ -4668,39 +5504,39 @@
             <a:normAutofit/>
           </a:bodyPr>
           <a:lstStyle>
-            <a:lvl1pPr marL="0" indent="0">
+            <a:lvl1pPr indent="0" marL="0">
               <a:buNone/>
               <a:defRPr sz="1200"/>
             </a:lvl1pPr>
-            <a:lvl2pPr marL="457200" indent="0">
+            <a:lvl2pPr indent="0" marL="457200">
               <a:buNone/>
               <a:defRPr sz="1200"/>
             </a:lvl2pPr>
-            <a:lvl3pPr marL="914400" indent="0">
+            <a:lvl3pPr indent="0" marL="914400">
               <a:buNone/>
               <a:defRPr sz="1000"/>
             </a:lvl3pPr>
-            <a:lvl4pPr marL="1371600" indent="0">
+            <a:lvl4pPr indent="0" marL="1371600">
               <a:buNone/>
               <a:defRPr sz="900"/>
             </a:lvl4pPr>
-            <a:lvl5pPr marL="1828800" indent="0">
+            <a:lvl5pPr indent="0" marL="1828800">
               <a:buNone/>
               <a:defRPr sz="900"/>
             </a:lvl5pPr>
-            <a:lvl6pPr marL="2286000" indent="0">
+            <a:lvl6pPr indent="0" marL="2286000">
               <a:buNone/>
               <a:defRPr sz="900"/>
             </a:lvl6pPr>
-            <a:lvl7pPr marL="2743200" indent="0">
+            <a:lvl7pPr indent="0" marL="2743200">
               <a:buNone/>
               <a:defRPr sz="900"/>
             </a:lvl7pPr>
-            <a:lvl8pPr marL="3200400" indent="0">
+            <a:lvl8pPr indent="0" marL="3200400">
               <a:buNone/>
               <a:defRPr sz="900"/>
             </a:lvl8pPr>
-            <a:lvl9pPr marL="3657600" indent="0">
+            <a:lvl9pPr indent="0" marL="3657600">
               <a:buNone/>
               <a:defRPr sz="900"/>
             </a:lvl9pPr>
@@ -4721,7 +5557,7 @@
             <a:spLocks noGrp="1"/>
           </p:cNvSpPr>
           <p:nvPr>
-            <p:ph type="dt" sz="half" idx="10"/>
+            <p:ph idx="10" sz="half" type="dt"/>
           </p:nvPr>
         </p:nvSpPr>
         <p:spPr/>
@@ -4732,7 +5568,7 @@
             <a:fld id="{1D8BD707-D9CF-40AE-B4C6-C98DA3205C09}" type="datetimeFigureOut">
               <a:rPr lang="en-US" smtClean="0"/>
               <a:pPr/>
-              <a:t>5/12/2017</a:t>
+              <a:t>5/13/2017</a:t>
             </a:fld>
             <a:endParaRPr lang="en-US"/>
           </a:p>
@@ -4745,7 +5581,7 @@
             <a:spLocks noGrp="1"/>
           </p:cNvSpPr>
           <p:nvPr>
-            <p:ph type="ftr" sz="quarter" idx="11"/>
+            <p:ph idx="11" sz="quarter" type="ftr"/>
           </p:nvPr>
         </p:nvSpPr>
         <p:spPr/>
@@ -4764,7 +5600,7 @@
             <a:spLocks noGrp="1"/>
           </p:cNvSpPr>
           <p:nvPr>
-            <p:ph type="sldNum" sz="quarter" idx="12"/>
+            <p:ph idx="12" sz="quarter" type="sldNum"/>
           </p:nvPr>
         </p:nvSpPr>
         <p:spPr/>
@@ -4795,7 +5631,7 @@
 </file>
 
 <file path=ppt/slideMasters/slideMaster1.xml><?xml version="1.0" encoding="utf-8"?>
-<p:sldMaster xmlns:a="http://schemas.openxmlformats.org/drawingml/2006/main" xmlns:r="http://schemas.openxmlformats.org/officeDocument/2006/relationships" xmlns:p="http://schemas.openxmlformats.org/presentationml/2006/main">
+<p:sldMaster xmlns:a="http://schemas.openxmlformats.org/drawingml/2006/main" xmlns:p="http://schemas.openxmlformats.org/presentationml/2006/main" xmlns:r="http://schemas.openxmlformats.org/officeDocument/2006/relationships">
   <p:cSld>
     <p:bg>
       <p:bgRef idx="1001">
@@ -4846,9 +5682,9 @@
               <a:gdLst/>
               <a:ahLst/>
               <a:cxnLst/>
-              <a:rect l="l" t="t" r="r" b="b"/>
+              <a:rect b="b" l="l" r="r" t="t"/>
               <a:pathLst>
-                <a:path w="457200" h="2853267">
+                <a:path h="2853267" w="457200">
                   <a:moveTo>
                     <a:pt x="0" y="0"/>
                   </a:moveTo>
@@ -4891,6 +5727,13 @@
               <a:schemeClr val="lt1"/>
             </a:fontRef>
           </p:style>
+          <p:txBody>
+            <a:bodyPr anchor="t" rtlCol="0"/>
+            <a:lstStyle/>
+            <a:p>
+              <a:endParaRPr/>
+            </a:p>
+          </p:txBody>
         </p:sp>
         <p:cxnSp>
           <p:nvCxnSpPr>
@@ -4982,9 +5825,9 @@
               <a:gdLst/>
               <a:ahLst/>
               <a:cxnLst/>
-              <a:rect l="l" t="t" r="r" b="b"/>
+              <a:rect b="b" l="l" r="r" t="t"/>
               <a:pathLst>
-                <a:path w="2269442" h="6866466">
+                <a:path h="6866466" w="2269442">
                   <a:moveTo>
                     <a:pt x="2023534" y="0"/>
                   </a:moveTo>
@@ -5030,6 +5873,13 @@
               <a:schemeClr val="lt1"/>
             </a:fontRef>
           </p:style>
+          <p:txBody>
+            <a:bodyPr anchor="t" rtlCol="0"/>
+            <a:lstStyle/>
+            <a:p>
+              <a:endParaRPr/>
+            </a:p>
+          </p:txBody>
         </p:sp>
         <p:sp>
           <p:nvSpPr>
@@ -5047,9 +5897,9 @@
               <a:gdLst/>
               <a:ahLst/>
               <a:cxnLst/>
-              <a:rect l="l" t="t" r="r" b="b"/>
+              <a:rect b="b" l="l" r="r" t="t"/>
               <a:pathLst>
-                <a:path w="1948147" h="6866467">
+                <a:path h="6866467" w="1948147">
                   <a:moveTo>
                     <a:pt x="0" y="0"/>
                   </a:moveTo>
@@ -5095,6 +5945,13 @@
               <a:schemeClr val="lt1"/>
             </a:fontRef>
           </p:style>
+          <p:txBody>
+            <a:bodyPr anchor="t" rtlCol="0"/>
+            <a:lstStyle/>
+            <a:p>
+              <a:endParaRPr/>
+            </a:p>
+          </p:txBody>
         </p:sp>
         <p:sp>
           <p:nvSpPr>
@@ -5112,9 +5969,9 @@
               <a:gdLst/>
               <a:ahLst/>
               <a:cxnLst/>
-              <a:rect l="l" t="t" r="r" b="b"/>
+              <a:rect b="b" l="l" r="r" t="t"/>
               <a:pathLst>
-                <a:path w="3259667" h="3810000">
+                <a:path h="3810000" w="3259667">
                   <a:moveTo>
                     <a:pt x="0" y="3810000"/>
                   </a:moveTo>
@@ -5157,6 +6014,13 @@
               <a:schemeClr val="lt1"/>
             </a:fontRef>
           </p:style>
+          <p:txBody>
+            <a:bodyPr anchor="t" rtlCol="0"/>
+            <a:lstStyle/>
+            <a:p>
+              <a:endParaRPr/>
+            </a:p>
+          </p:txBody>
         </p:sp>
         <p:sp>
           <p:nvSpPr>
@@ -5174,9 +6038,9 @@
               <a:gdLst/>
               <a:ahLst/>
               <a:cxnLst/>
-              <a:rect l="l" t="t" r="r" b="b"/>
+              <a:rect b="b" l="l" r="r" t="t"/>
               <a:pathLst>
-                <a:path w="2853267" h="6866467">
+                <a:path h="6866467" w="2853267">
                   <a:moveTo>
                     <a:pt x="0" y="0"/>
                   </a:moveTo>
@@ -5221,6 +6085,13 @@
               <a:schemeClr val="lt1"/>
             </a:fontRef>
           </p:style>
+          <p:txBody>
+            <a:bodyPr anchor="t" rtlCol="0"/>
+            <a:lstStyle/>
+            <a:p>
+              <a:endParaRPr/>
+            </a:p>
+          </p:txBody>
         </p:sp>
         <p:sp>
           <p:nvSpPr>
@@ -5238,9 +6109,9 @@
               <a:gdLst/>
               <a:ahLst/>
               <a:cxnLst/>
-              <a:rect l="l" t="t" r="r" b="b"/>
+              <a:rect b="b" l="l" r="r" t="t"/>
               <a:pathLst>
-                <a:path w="1286933" h="6866467">
+                <a:path h="6866467" w="1286933">
                   <a:moveTo>
                     <a:pt x="1016000" y="0"/>
                   </a:moveTo>
@@ -5288,6 +6159,13 @@
               <a:schemeClr val="lt1"/>
             </a:fontRef>
           </p:style>
+          <p:txBody>
+            <a:bodyPr anchor="t" rtlCol="0"/>
+            <a:lstStyle/>
+            <a:p>
+              <a:endParaRPr/>
+            </a:p>
+          </p:txBody>
         </p:sp>
         <p:sp>
           <p:nvSpPr>
@@ -5305,9 +6183,9 @@
               <a:gdLst/>
               <a:ahLst/>
               <a:cxnLst/>
-              <a:rect l="l" t="t" r="r" b="b"/>
+              <a:rect b="b" l="l" r="r" t="t"/>
               <a:pathLst>
-                <a:path w="1270244" h="6866467">
+                <a:path h="6866467" w="1270244">
                   <a:moveTo>
                     <a:pt x="0" y="0"/>
                   </a:moveTo>
@@ -5353,6 +6231,13 @@
               <a:schemeClr val="lt1"/>
             </a:fontRef>
           </p:style>
+          <p:txBody>
+            <a:bodyPr anchor="t" rtlCol="0"/>
+            <a:lstStyle/>
+            <a:p>
+              <a:endParaRPr/>
+            </a:p>
+          </p:txBody>
         </p:sp>
         <p:sp>
           <p:nvSpPr>
@@ -5370,9 +6255,9 @@
               <a:gdLst/>
               <a:ahLst/>
               <a:cxnLst/>
-              <a:rect l="l" t="t" r="r" b="b"/>
+              <a:rect b="b" l="l" r="r" t="t"/>
               <a:pathLst>
-                <a:path w="1820333" h="3268133">
+                <a:path h="3268133" w="1820333">
                   <a:moveTo>
                     <a:pt x="0" y="3268133"/>
                   </a:moveTo>
@@ -5415,6 +6300,13 @@
               <a:schemeClr val="lt1"/>
             </a:fontRef>
           </p:style>
+          <p:txBody>
+            <a:bodyPr anchor="t" rtlCol="0"/>
+            <a:lstStyle/>
+            <a:p>
+              <a:endParaRPr/>
+            </a:p>
+          </p:txBody>
         </p:sp>
       </p:grpSp>
       <p:sp>
@@ -5429,24 +6321,20 @@
         </p:nvSpPr>
         <p:spPr>
           <a:xfrm>
-            <a:off x="609599" y="609600"/>
-            <a:ext cx="6347713" cy="1320800"/>
+            <a:off x="1130595" y="2404534"/>
+            <a:ext cx="5826719" cy="1646302"/>
           </a:xfrm>
           <a:prstGeom prst="rect">
             <a:avLst/>
           </a:prstGeom>
         </p:spPr>
         <p:txBody>
-          <a:bodyPr vert="horz" lIns="91440" tIns="45720" rIns="91440" bIns="45720" rtlCol="0" anchor="t">
+          <a:bodyPr anchor="t" bIns="45720" lIns="91440" rIns="91440" rtlCol="0" tIns="45720" vert="horz">
             <a:normAutofit/>
           </a:bodyPr>
           <a:lstStyle/>
           <a:p>
-            <a:r>
-              <a:rPr lang="es-ES" smtClean="0"/>
-              <a:t>Haga clic para modificar el estilo de título del patrón</a:t>
-            </a:r>
-            <a:endParaRPr lang="en-US" dirty="0"/>
+            <a:endParaRPr/>
           </a:p>
         </p:txBody>
       </p:sp>
@@ -5457,7 +6345,7 @@
             <a:spLocks noGrp="1"/>
           </p:cNvSpPr>
           <p:nvPr>
-            <p:ph type="body" idx="1"/>
+            <p:ph idx="1" type="body"/>
           </p:nvPr>
         </p:nvSpPr>
         <p:spPr>
@@ -5470,45 +6358,12 @@
           </a:prstGeom>
         </p:spPr>
         <p:txBody>
-          <a:bodyPr vert="horz" lIns="91440" tIns="45720" rIns="91440" bIns="45720" rtlCol="0">
+          <a:bodyPr bIns="45720" lIns="91440" rIns="91440" rtlCol="0" tIns="45720" vert="horz">
             <a:normAutofit/>
           </a:bodyPr>
           <a:lstStyle/>
           <a:p>
-            <a:pPr lvl="0"/>
-            <a:r>
-              <a:rPr lang="es-ES" smtClean="0"/>
-              <a:t>Haga clic para modificar el estilo de texto del patrón</a:t>
-            </a:r>
-          </a:p>
-          <a:p>
-            <a:pPr lvl="1"/>
-            <a:r>
-              <a:rPr lang="es-ES" smtClean="0"/>
-              <a:t>Segundo nivel</a:t>
-            </a:r>
-          </a:p>
-          <a:p>
-            <a:pPr lvl="2"/>
-            <a:r>
-              <a:rPr lang="es-ES" smtClean="0"/>
-              <a:t>Tercer nivel</a:t>
-            </a:r>
-          </a:p>
-          <a:p>
-            <a:pPr lvl="3"/>
-            <a:r>
-              <a:rPr lang="es-ES" smtClean="0"/>
-              <a:t>Cuarto nivel</a:t>
-            </a:r>
-          </a:p>
-          <a:p>
-            <a:pPr lvl="4"/>
-            <a:r>
-              <a:rPr lang="es-ES" smtClean="0"/>
-              <a:t>Quinto nivel</a:t>
-            </a:r>
-            <a:endParaRPr lang="en-US" dirty="0"/>
+            <a:endParaRPr/>
           </a:p>
         </p:txBody>
       </p:sp>
@@ -5519,7 +6374,7 @@
             <a:spLocks noGrp="1"/>
           </p:cNvSpPr>
           <p:nvPr>
-            <p:ph type="dt" sz="half" idx="2"/>
+            <p:ph idx="2" sz="half" type="dt"/>
           </p:nvPr>
         </p:nvSpPr>
         <p:spPr>
@@ -5532,25 +6387,10 @@
           </a:prstGeom>
         </p:spPr>
         <p:txBody>
-          <a:bodyPr vert="horz" lIns="91440" tIns="45720" rIns="91440" bIns="45720" rtlCol="0" anchor="ctr"/>
-          <a:lstStyle>
-            <a:lvl1pPr algn="r">
-              <a:defRPr sz="900">
-                <a:solidFill>
-                  <a:schemeClr val="tx1">
-                    <a:tint val="75000"/>
-                  </a:schemeClr>
-                </a:solidFill>
-              </a:defRPr>
-            </a:lvl1pPr>
-          </a:lstStyle>
-          <a:p>
-            <a:fld id="{1D8BD707-D9CF-40AE-B4C6-C98DA3205C09}" type="datetimeFigureOut">
-              <a:rPr lang="en-US" smtClean="0"/>
-              <a:pPr/>
-              <a:t>5/12/2017</a:t>
-            </a:fld>
-            <a:endParaRPr lang="en-US"/>
+          <a:bodyPr anchor="ctr" bIns="45720" lIns="91440" rIns="91440" rtlCol="0" tIns="45720" vert="horz"/>
+          <a:lstStyle/>
+          <a:p>
+            <a:endParaRPr/>
           </a:p>
         </p:txBody>
       </p:sp>
@@ -5561,7 +6401,7 @@
             <a:spLocks noGrp="1"/>
           </p:cNvSpPr>
           <p:nvPr>
-            <p:ph type="ftr" sz="quarter" idx="3"/>
+            <p:ph idx="3" sz="quarter" type="ftr"/>
           </p:nvPr>
         </p:nvSpPr>
         <p:spPr>
@@ -5574,20 +6414,10 @@
           </a:prstGeom>
         </p:spPr>
         <p:txBody>
-          <a:bodyPr vert="horz" lIns="91440" tIns="45720" rIns="91440" bIns="45720" rtlCol="0" anchor="ctr"/>
-          <a:lstStyle>
-            <a:lvl1pPr algn="l">
-              <a:defRPr sz="900">
-                <a:solidFill>
-                  <a:schemeClr val="tx1">
-                    <a:tint val="75000"/>
-                  </a:schemeClr>
-                </a:solidFill>
-              </a:defRPr>
-            </a:lvl1pPr>
-          </a:lstStyle>
-          <a:p>
-            <a:endParaRPr lang="en-US"/>
+          <a:bodyPr anchor="ctr" bIns="45720" lIns="91440" rIns="91440" rtlCol="0" tIns="45720" vert="horz"/>
+          <a:lstStyle/>
+          <a:p>
+            <a:endParaRPr/>
           </a:p>
         </p:txBody>
       </p:sp>
@@ -5598,7 +6428,7 @@
             <a:spLocks noGrp="1"/>
           </p:cNvSpPr>
           <p:nvPr>
-            <p:ph type="sldNum" sz="quarter" idx="4"/>
+            <p:ph idx="4" sz="quarter" type="sldNum"/>
           </p:nvPr>
         </p:nvSpPr>
         <p:spPr>
@@ -5611,23 +6441,10 @@
           </a:prstGeom>
         </p:spPr>
         <p:txBody>
-          <a:bodyPr vert="horz" lIns="91440" tIns="45720" rIns="91440" bIns="45720" rtlCol="0" anchor="ctr"/>
-          <a:lstStyle>
-            <a:lvl1pPr algn="r">
-              <a:defRPr sz="900">
-                <a:solidFill>
-                  <a:schemeClr val="accent1"/>
-                </a:solidFill>
-              </a:defRPr>
-            </a:lvl1pPr>
-          </a:lstStyle>
-          <a:p>
-            <a:fld id="{B6F15528-21DE-4FAA-801E-634DDDAF4B2B}" type="slidenum">
-              <a:rPr lang="en-US" smtClean="0"/>
-              <a:pPr/>
-              <a:t>‹Nº›</a:t>
-            </a:fld>
-            <a:endParaRPr lang="en-US"/>
+          <a:bodyPr anchor="ctr" bIns="45720" lIns="91440" rIns="91440" rtlCol="0" tIns="45720" vert="horz"/>
+          <a:lstStyle/>
+          <a:p>
+            <a:endParaRPr/>
           </a:p>
         </p:txBody>
       </p:sp>
@@ -5638,7 +6455,7 @@
       </p:ext>
     </p:extLst>
   </p:cSld>
-  <p:clrMap bg1="lt1" tx1="dk1" bg2="lt2" tx2="dk2" accent1="accent1" accent2="accent2" accent3="accent3" accent4="accent4" accent5="accent5" accent6="accent6" hlink="hlink" folHlink="folHlink"/>
+  <p:clrMap accent1="accent1" accent2="accent2" accent3="accent3" accent4="accent4" accent5="accent5" accent6="accent6" bg1="lt1" bg2="lt2" folHlink="folHlink" hlink="hlink" tx1="dk1" tx2="dk2"/>
   <p:sldLayoutIdLst>
     <p:sldLayoutId id="2147483661" r:id="rId1"/>
     <p:sldLayoutId id="2147483662" r:id="rId2"/>
@@ -5659,12 +6476,12 @@
   </p:sldLayoutIdLst>
   <p:txStyles>
     <p:titleStyle>
-      <a:lvl1pPr algn="l" defTabSz="457200" rtl="0" eaLnBrk="1" latinLnBrk="0" hangingPunct="1">
+      <a:lvl1pPr algn="l" defTabSz="457200" eaLnBrk="1" hangingPunct="1" latinLnBrk="0" rtl="0">
         <a:spcBef>
           <a:spcPct val="0"/>
         </a:spcBef>
         <a:buNone/>
-        <a:defRPr sz="3600" kern="1200">
+        <a:defRPr kern="1200" sz="3600">
           <a:solidFill>
             <a:schemeClr val="accent1"/>
           </a:solidFill>
@@ -5731,7 +6548,7 @@
       </a:lvl9pPr>
     </p:titleStyle>
     <p:bodyStyle>
-      <a:lvl1pPr marL="342900" indent="-342900" algn="l" defTabSz="457200" rtl="0" eaLnBrk="1" latinLnBrk="0" hangingPunct="1">
+      <a:lvl1pPr algn="l" defTabSz="457200" eaLnBrk="1" hangingPunct="1" indent="-342900" latinLnBrk="0" marL="342900" rtl="0">
         <a:spcBef>
           <a:spcPts val="1000"/>
         </a:spcBef>
@@ -5742,9 +6559,9 @@
           <a:schemeClr val="accent1"/>
         </a:buClr>
         <a:buSzPct val="80000"/>
-        <a:buFont typeface="Wingdings 3" charset="2"/>
+        <a:buFont charset="2" typeface="Wingdings 3"/>
         <a:buChar char=""/>
-        <a:defRPr sz="1800" kern="1200">
+        <a:defRPr kern="1200" sz="1800">
           <a:solidFill>
             <a:schemeClr val="tx1">
               <a:lumMod val="75000"/>
@@ -5756,7 +6573,7 @@
           <a:cs typeface="+mn-cs"/>
         </a:defRPr>
       </a:lvl1pPr>
-      <a:lvl2pPr marL="742950" indent="-285750" algn="l" defTabSz="457200" rtl="0" eaLnBrk="1" latinLnBrk="0" hangingPunct="1">
+      <a:lvl2pPr algn="l" defTabSz="457200" eaLnBrk="1" hangingPunct="1" indent="-285750" latinLnBrk="0" marL="742950" rtl="0">
         <a:spcBef>
           <a:spcPts val="1000"/>
         </a:spcBef>
@@ -5767,9 +6584,9 @@
           <a:schemeClr val="accent1"/>
         </a:buClr>
         <a:buSzPct val="80000"/>
-        <a:buFont typeface="Wingdings 3" charset="2"/>
+        <a:buFont charset="2" typeface="Wingdings 3"/>
         <a:buChar char=""/>
-        <a:defRPr sz="1600" kern="1200">
+        <a:defRPr kern="1200" sz="1600">
           <a:solidFill>
             <a:schemeClr val="tx1">
               <a:lumMod val="75000"/>
@@ -5781,7 +6598,7 @@
           <a:cs typeface="+mn-cs"/>
         </a:defRPr>
       </a:lvl2pPr>
-      <a:lvl3pPr marL="1143000" indent="-228600" algn="l" defTabSz="457200" rtl="0" eaLnBrk="1" latinLnBrk="0" hangingPunct="1">
+      <a:lvl3pPr algn="l" defTabSz="457200" eaLnBrk="1" hangingPunct="1" indent="-228600" latinLnBrk="0" marL="1143000" rtl="0">
         <a:spcBef>
           <a:spcPts val="1000"/>
         </a:spcBef>
@@ -5792,9 +6609,9 @@
           <a:schemeClr val="accent1"/>
         </a:buClr>
         <a:buSzPct val="80000"/>
-        <a:buFont typeface="Wingdings 3" charset="2"/>
+        <a:buFont charset="2" typeface="Wingdings 3"/>
         <a:buChar char=""/>
-        <a:defRPr sz="1400" kern="1200">
+        <a:defRPr kern="1200" sz="1400">
           <a:solidFill>
             <a:schemeClr val="tx1">
               <a:lumMod val="75000"/>
@@ -5806,7 +6623,7 @@
           <a:cs typeface="+mn-cs"/>
         </a:defRPr>
       </a:lvl3pPr>
-      <a:lvl4pPr marL="1600200" indent="-228600" algn="l" defTabSz="457200" rtl="0" eaLnBrk="1" latinLnBrk="0" hangingPunct="1">
+      <a:lvl4pPr algn="l" defTabSz="457200" eaLnBrk="1" hangingPunct="1" indent="-228600" latinLnBrk="0" marL="1600200" rtl="0">
         <a:spcBef>
           <a:spcPts val="1000"/>
         </a:spcBef>
@@ -5817,9 +6634,9 @@
           <a:schemeClr val="accent1"/>
         </a:buClr>
         <a:buSzPct val="80000"/>
-        <a:buFont typeface="Wingdings 3" charset="2"/>
+        <a:buFont charset="2" typeface="Wingdings 3"/>
         <a:buChar char=""/>
-        <a:defRPr sz="1200" kern="1200">
+        <a:defRPr kern="1200" sz="1200">
           <a:solidFill>
             <a:schemeClr val="tx1">
               <a:lumMod val="75000"/>
@@ -5831,7 +6648,7 @@
           <a:cs typeface="+mn-cs"/>
         </a:defRPr>
       </a:lvl4pPr>
-      <a:lvl5pPr marL="2057400" indent="-228600" algn="l" defTabSz="457200" rtl="0" eaLnBrk="1" latinLnBrk="0" hangingPunct="1">
+      <a:lvl5pPr algn="l" defTabSz="457200" eaLnBrk="1" hangingPunct="1" indent="-228600" latinLnBrk="0" marL="2057400" rtl="0">
         <a:spcBef>
           <a:spcPts val="1000"/>
         </a:spcBef>
@@ -5842,9 +6659,9 @@
           <a:schemeClr val="accent1"/>
         </a:buClr>
         <a:buSzPct val="80000"/>
-        <a:buFont typeface="Wingdings 3" charset="2"/>
+        <a:buFont charset="2" typeface="Wingdings 3"/>
         <a:buChar char=""/>
-        <a:defRPr sz="1200" kern="1200">
+        <a:defRPr kern="1200" sz="1200">
           <a:solidFill>
             <a:schemeClr val="tx1">
               <a:lumMod val="75000"/>
@@ -5856,7 +6673,7 @@
           <a:cs typeface="+mn-cs"/>
         </a:defRPr>
       </a:lvl5pPr>
-      <a:lvl6pPr marL="2514600" indent="-228600" algn="l" defTabSz="457200" rtl="0" eaLnBrk="1" latinLnBrk="0" hangingPunct="1">
+      <a:lvl6pPr algn="l" defTabSz="457200" eaLnBrk="1" hangingPunct="1" indent="-228600" latinLnBrk="0" marL="2514600" rtl="0">
         <a:spcBef>
           <a:spcPts val="1000"/>
         </a:spcBef>
@@ -5867,9 +6684,9 @@
           <a:schemeClr val="accent1"/>
         </a:buClr>
         <a:buSzPct val="80000"/>
-        <a:buFont typeface="Wingdings 3" charset="2"/>
+        <a:buFont charset="2" typeface="Wingdings 3"/>
         <a:buChar char=""/>
-        <a:defRPr sz="1200" kern="1200">
+        <a:defRPr kern="1200" sz="1200">
           <a:solidFill>
             <a:schemeClr val="tx1">
               <a:lumMod val="75000"/>
@@ -5881,7 +6698,7 @@
           <a:cs typeface="+mn-cs"/>
         </a:defRPr>
       </a:lvl6pPr>
-      <a:lvl7pPr marL="2971800" indent="-228600" algn="l" defTabSz="457200" rtl="0" eaLnBrk="1" latinLnBrk="0" hangingPunct="1">
+      <a:lvl7pPr algn="l" defTabSz="457200" eaLnBrk="1" hangingPunct="1" indent="-228600" latinLnBrk="0" marL="2971800" rtl="0">
         <a:spcBef>
           <a:spcPts val="1000"/>
         </a:spcBef>
@@ -5892,9 +6709,9 @@
           <a:schemeClr val="accent1"/>
         </a:buClr>
         <a:buSzPct val="80000"/>
-        <a:buFont typeface="Wingdings 3" charset="2"/>
+        <a:buFont charset="2" typeface="Wingdings 3"/>
         <a:buChar char=""/>
-        <a:defRPr sz="1200" kern="1200">
+        <a:defRPr kern="1200" sz="1200">
           <a:solidFill>
             <a:schemeClr val="tx1">
               <a:lumMod val="75000"/>
@@ -5906,7 +6723,7 @@
           <a:cs typeface="+mn-cs"/>
         </a:defRPr>
       </a:lvl7pPr>
-      <a:lvl8pPr marL="3429000" indent="-228600" algn="l" defTabSz="457200" rtl="0" eaLnBrk="1" latinLnBrk="0" hangingPunct="1">
+      <a:lvl8pPr algn="l" defTabSz="457200" eaLnBrk="1" hangingPunct="1" indent="-228600" latinLnBrk="0" marL="3429000" rtl="0">
         <a:spcBef>
           <a:spcPts val="1000"/>
         </a:spcBef>
@@ -5917,9 +6734,9 @@
           <a:schemeClr val="accent1"/>
         </a:buClr>
         <a:buSzPct val="80000"/>
-        <a:buFont typeface="Wingdings 3" charset="2"/>
+        <a:buFont charset="2" typeface="Wingdings 3"/>
         <a:buChar char=""/>
-        <a:defRPr sz="1200" kern="1200">
+        <a:defRPr kern="1200" sz="1200">
           <a:solidFill>
             <a:schemeClr val="tx1">
               <a:lumMod val="75000"/>
@@ -5931,7 +6748,7 @@
           <a:cs typeface="+mn-cs"/>
         </a:defRPr>
       </a:lvl8pPr>
-      <a:lvl9pPr marL="3886200" indent="-228600" algn="l" defTabSz="457200" rtl="0" eaLnBrk="1" latinLnBrk="0" hangingPunct="1">
+      <a:lvl9pPr algn="l" defTabSz="457200" eaLnBrk="1" hangingPunct="1" indent="-228600" latinLnBrk="0" marL="3886200" rtl="0">
         <a:spcBef>
           <a:spcPts val="1000"/>
         </a:spcBef>
@@ -5942,9 +6759,9 @@
           <a:schemeClr val="accent1"/>
         </a:buClr>
         <a:buSzPct val="80000"/>
-        <a:buFont typeface="Wingdings 3" charset="2"/>
+        <a:buFont charset="2" typeface="Wingdings 3"/>
         <a:buChar char=""/>
-        <a:defRPr sz="1200" kern="1200">
+        <a:defRPr kern="1200" sz="1200">
           <a:solidFill>
             <a:schemeClr val="tx1">
               <a:lumMod val="75000"/>
@@ -5961,8 +6778,8 @@
       <a:defPPr>
         <a:defRPr lang="en-US"/>
       </a:defPPr>
-      <a:lvl1pPr marL="0" algn="l" defTabSz="457200" rtl="0" eaLnBrk="1" latinLnBrk="0" hangingPunct="1">
-        <a:defRPr sz="1800" kern="1200">
+      <a:lvl1pPr algn="l" defTabSz="457200" eaLnBrk="1" hangingPunct="1" latinLnBrk="0" marL="0" rtl="0">
+        <a:defRPr kern="1200" sz="1800">
           <a:solidFill>
             <a:schemeClr val="tx1"/>
           </a:solidFill>
@@ -5971,8 +6788,8 @@
           <a:cs typeface="+mn-cs"/>
         </a:defRPr>
       </a:lvl1pPr>
-      <a:lvl2pPr marL="457200" algn="l" defTabSz="457200" rtl="0" eaLnBrk="1" latinLnBrk="0" hangingPunct="1">
-        <a:defRPr sz="1800" kern="1200">
+      <a:lvl2pPr algn="l" defTabSz="457200" eaLnBrk="1" hangingPunct="1" latinLnBrk="0" marL="457200" rtl="0">
+        <a:defRPr kern="1200" sz="1800">
           <a:solidFill>
             <a:schemeClr val="tx1"/>
           </a:solidFill>
@@ -5981,8 +6798,8 @@
           <a:cs typeface="+mn-cs"/>
         </a:defRPr>
       </a:lvl2pPr>
-      <a:lvl3pPr marL="914400" algn="l" defTabSz="457200" rtl="0" eaLnBrk="1" latinLnBrk="0" hangingPunct="1">
-        <a:defRPr sz="1800" kern="1200">
+      <a:lvl3pPr algn="l" defTabSz="457200" eaLnBrk="1" hangingPunct="1" latinLnBrk="0" marL="914400" rtl="0">
+        <a:defRPr kern="1200" sz="1800">
           <a:solidFill>
             <a:schemeClr val="tx1"/>
           </a:solidFill>
@@ -5991,8 +6808,8 @@
           <a:cs typeface="+mn-cs"/>
         </a:defRPr>
       </a:lvl3pPr>
-      <a:lvl4pPr marL="1371600" algn="l" defTabSz="457200" rtl="0" eaLnBrk="1" latinLnBrk="0" hangingPunct="1">
-        <a:defRPr sz="1800" kern="1200">
+      <a:lvl4pPr algn="l" defTabSz="457200" eaLnBrk="1" hangingPunct="1" latinLnBrk="0" marL="1371600" rtl="0">
+        <a:defRPr kern="1200" sz="1800">
           <a:solidFill>
             <a:schemeClr val="tx1"/>
           </a:solidFill>
@@ -6001,8 +6818,8 @@
           <a:cs typeface="+mn-cs"/>
         </a:defRPr>
       </a:lvl4pPr>
-      <a:lvl5pPr marL="1828800" algn="l" defTabSz="457200" rtl="0" eaLnBrk="1" latinLnBrk="0" hangingPunct="1">
-        <a:defRPr sz="1800" kern="1200">
+      <a:lvl5pPr algn="l" defTabSz="457200" eaLnBrk="1" hangingPunct="1" latinLnBrk="0" marL="1828800" rtl="0">
+        <a:defRPr kern="1200" sz="1800">
           <a:solidFill>
             <a:schemeClr val="tx1"/>
           </a:solidFill>
@@ -6011,8 +6828,8 @@
           <a:cs typeface="+mn-cs"/>
         </a:defRPr>
       </a:lvl5pPr>
-      <a:lvl6pPr marL="2286000" algn="l" defTabSz="457200" rtl="0" eaLnBrk="1" latinLnBrk="0" hangingPunct="1">
-        <a:defRPr sz="1800" kern="1200">
+      <a:lvl6pPr algn="l" defTabSz="457200" eaLnBrk="1" hangingPunct="1" latinLnBrk="0" marL="2286000" rtl="0">
+        <a:defRPr kern="1200" sz="1800">
           <a:solidFill>
             <a:schemeClr val="tx1"/>
           </a:solidFill>
@@ -6021,8 +6838,8 @@
           <a:cs typeface="+mn-cs"/>
         </a:defRPr>
       </a:lvl6pPr>
-      <a:lvl7pPr marL="2743200" algn="l" defTabSz="457200" rtl="0" eaLnBrk="1" latinLnBrk="0" hangingPunct="1">
-        <a:defRPr sz="1800" kern="1200">
+      <a:lvl7pPr algn="l" defTabSz="457200" eaLnBrk="1" hangingPunct="1" latinLnBrk="0" marL="2743200" rtl="0">
+        <a:defRPr kern="1200" sz="1800">
           <a:solidFill>
             <a:schemeClr val="tx1"/>
           </a:solidFill>
@@ -6031,8 +6848,8 @@
           <a:cs typeface="+mn-cs"/>
         </a:defRPr>
       </a:lvl7pPr>
-      <a:lvl8pPr marL="3200400" algn="l" defTabSz="457200" rtl="0" eaLnBrk="1" latinLnBrk="0" hangingPunct="1">
-        <a:defRPr sz="1800" kern="1200">
+      <a:lvl8pPr algn="l" defTabSz="457200" eaLnBrk="1" hangingPunct="1" latinLnBrk="0" marL="3200400" rtl="0">
+        <a:defRPr kern="1200" sz="1800">
           <a:solidFill>
             <a:schemeClr val="tx1"/>
           </a:solidFill>
@@ -6041,8 +6858,8 @@
           <a:cs typeface="+mn-cs"/>
         </a:defRPr>
       </a:lvl8pPr>
-      <a:lvl9pPr marL="3657600" algn="l" defTabSz="457200" rtl="0" eaLnBrk="1" latinLnBrk="0" hangingPunct="1">
-        <a:defRPr sz="1800" kern="1200">
+      <a:lvl9pPr algn="l" defTabSz="457200" eaLnBrk="1" hangingPunct="1" latinLnBrk="0" marL="3657600" rtl="0">
+        <a:defRPr kern="1200" sz="1800">
           <a:solidFill>
             <a:schemeClr val="tx1"/>
           </a:solidFill>
@@ -6057,7 +6874,7 @@
 </file>
 
 <file path=ppt/slides/slide1.xml><?xml version="1.0" encoding="utf-8"?>
-<p:sld xmlns:a="http://schemas.openxmlformats.org/drawingml/2006/main" xmlns:r="http://schemas.openxmlformats.org/officeDocument/2006/relationships" xmlns:p="http://schemas.openxmlformats.org/presentationml/2006/main">
+<p:sld xmlns:a="http://schemas.openxmlformats.org/drawingml/2006/main" xmlns:p="http://schemas.openxmlformats.org/presentationml/2006/main" xmlns:r="http://schemas.openxmlformats.org/officeDocument/2006/relationships">
   <p:cSld>
     <p:spTree>
       <p:nvGrpSpPr>
@@ -6089,18 +6906,30 @@
           <a:lstStyle/>
           <a:p>
             <a:r>
-              <a:rPr lang="en-US" dirty="0" smtClean="0"/>
+              <a:rPr dirty="0" lang="en-US" smtClean="0">
+                <a:solidFill>
+                  <a:srgbClr val="90C226"/>
+                </a:solidFill>
+              </a:rPr>
               <a:t>@</a:t>
             </a:r>
             <a:r>
-              <a:rPr lang="en-US" dirty="0" err="1" smtClean="0"/>
+              <a:rPr dirty="0" err="1" lang="en-US" smtClean="0">
+                <a:solidFill>
+                  <a:srgbClr val="90C226"/>
+                </a:solidFill>
+              </a:rPr>
               <a:t>titulo</a:t>
             </a:r>
             <a:r>
-              <a:rPr lang="en-US" dirty="0" smtClean="0"/>
+              <a:rPr dirty="0" lang="en-US" smtClean="0">
+                <a:solidFill>
+                  <a:srgbClr val="90C226"/>
+                </a:solidFill>
+              </a:rPr>
               <a:t>@</a:t>
             </a:r>
-            <a:endParaRPr lang="en-US" dirty="0"/>
+            <a:endParaRPr dirty="0" lang="en-US"/>
           </a:p>
         </p:txBody>
       </p:sp>
@@ -6111,7 +6940,7 @@
             <a:spLocks noGrp="1"/>
           </p:cNvSpPr>
           <p:nvPr>
-            <p:ph type="subTitle" idx="1"/>
+            <p:ph idx="1" type="subTitle"/>
           </p:nvPr>
         </p:nvSpPr>
         <p:spPr>
@@ -6125,27 +6954,34 @@
           <a:lstStyle/>
           <a:p>
             <a:r>
-              <a:rPr lang="en-US" dirty="0" smtClean="0"/>
+              <a:rPr dirty="0" lang="en-US" smtClean="0">
+                <a:solidFill>
+                  <a:scrgbClr b="21404" g="21404" r="21404"/>
+                </a:solidFill>
+              </a:rPr>
               <a:t>@</a:t>
             </a:r>
             <a:r>
-              <a:rPr lang="en-US" dirty="0" err="1" smtClean="0"/>
+              <a:rPr dirty="0" err="1" lang="en-US" smtClean="0">
+                <a:solidFill>
+                  <a:scrgbClr b="21404" g="21404" r="21404"/>
+                </a:solidFill>
+              </a:rPr>
               <a:t>contenido</a:t>
             </a:r>
             <a:r>
-              <a:rPr lang="en-US" dirty="0" smtClean="0"/>
+              <a:rPr dirty="0" lang="en-US" smtClean="0">
+                <a:solidFill>
+                  <a:scrgbClr b="21404" g="21404" r="21404"/>
+                </a:solidFill>
+              </a:rPr>
               <a:t>@</a:t>
             </a:r>
-            <a:endParaRPr lang="en-US" dirty="0"/>
+            <a:endParaRPr dirty="0" lang="en-US"/>
           </a:p>
         </p:txBody>
       </p:sp>
     </p:spTree>
-    <p:extLst>
-      <p:ext uri="{BB962C8B-B14F-4D97-AF65-F5344CB8AC3E}">
-        <p14:creationId xmlns:p14="http://schemas.microsoft.com/office/powerpoint/2010/main" val="1457781552"/>
-      </p:ext>
-    </p:extLst>
   </p:cSld>
   <p:clrMapOvr>
     <a:masterClrMapping/>
@@ -6153,10 +6989,474 @@
   <p:timing>
     <p:tnLst>
       <p:par>
-        <p:cTn id="1" dur="indefinite" restart="never" nodeType="tmRoot"/>
+        <p:cTn dur="indefinite" id="1" nodeType="tmRoot" restart="never"/>
       </p:par>
     </p:tnLst>
   </p:timing>
+</p:sld>
+</file>
+
+<file path=ppt/slides/slide2.xml><?xml version="1.0" encoding="utf-8"?>
+<p:sld xmlns:p="http://schemas.openxmlformats.org/presentationml/2006/main" xmlns:a="http://schemas.openxmlformats.org/drawingml/2006/main">
+  <p:cSld>
+    <p:spTree xmlns:r="http://schemas.openxmlformats.org/officeDocument/2006/relationships">
+      <p:nvGrpSpPr>
+        <p:cNvPr id="1" name=""/>
+        <p:cNvGrpSpPr/>
+        <p:nvPr/>
+      </p:nvGrpSpPr>
+      <p:grpSpPr>
+        <a:xfrm>
+          <a:off x="0" y="0"/>
+          <a:ext cx="0" cy="0"/>
+          <a:chOff x="0" y="0"/>
+          <a:chExt cx="0" cy="0"/>
+        </a:xfrm>
+      </p:grpSpPr>
+      <p:sp>
+        <p:nvSpPr>
+          <p:cNvPr id="2" name="Título 1"/>
+          <p:cNvSpPr>
+            <a:spLocks noGrp="1"/>
+          </p:cNvSpPr>
+          <p:nvPr>
+            <p:ph type="ctrTitle"/>
+          </p:nvPr>
+        </p:nvSpPr>
+        <p:spPr/>
+        <p:txBody>
+          <a:bodyPr/>
+          <a:lstStyle/>
+          <a:p>
+            <a:r>
+              <a:rPr dirty="0" lang="en-US" smtClean="0">
+                <a:solidFill>
+                  <a:srgbClr val="90C226"/>
+                </a:solidFill>
+              </a:rPr>
+              <a:t>@</a:t>
+            </a:r>
+            <a:r>
+              <a:rPr dirty="0" err="1" lang="en-US" smtClean="0">
+                <a:solidFill>
+                  <a:srgbClr val="90C226"/>
+                </a:solidFill>
+              </a:rPr>
+              <a:t>titulo</a:t>
+            </a:r>
+            <a:r>
+              <a:rPr dirty="0" lang="en-US" smtClean="0">
+                <a:solidFill>
+                  <a:srgbClr val="90C226"/>
+                </a:solidFill>
+              </a:rPr>
+              <a:t>@</a:t>
+            </a:r>
+            <a:endParaRPr dirty="0" lang="en-US"/>
+          </a:p>
+        </p:txBody>
+      </p:sp>
+      <p:sp>
+        <p:nvSpPr>
+          <p:cNvPr id="3" name="Subtítulo 2"/>
+          <p:cNvSpPr>
+            <a:spLocks noGrp="1"/>
+          </p:cNvSpPr>
+          <p:nvPr>
+            <p:ph idx="1" type="subTitle"/>
+          </p:nvPr>
+        </p:nvSpPr>
+        <p:spPr>
+          <a:xfrm>
+            <a:off x="1130595" y="4050836"/>
+            <a:ext cx="5826719" cy="1096899"/>
+          </a:xfrm>
+        </p:spPr>
+        <p:txBody>
+          <a:bodyPr/>
+          <a:lstStyle/>
+          <a:p>
+            <a:r>
+              <a:rPr dirty="0" lang="en-US" smtClean="0">
+                <a:solidFill>
+                  <a:scrgbClr r="21404" g="21404" b="21404"/>
+                </a:solidFill>
+              </a:rPr>
+              <a:t>@</a:t>
+            </a:r>
+            <a:r>
+              <a:rPr dirty="0" err="1" lang="en-US" smtClean="0">
+                <a:solidFill>
+                  <a:scrgbClr r="21404" g="21404" b="21404"/>
+                </a:solidFill>
+              </a:rPr>
+              <a:t>contenido</a:t>
+            </a:r>
+            <a:r>
+              <a:rPr dirty="0" lang="en-US" smtClean="0">
+                <a:solidFill>
+                  <a:scrgbClr r="21404" g="21404" b="21404"/>
+                </a:solidFill>
+              </a:rPr>
+              <a:t>@</a:t>
+            </a:r>
+            <a:endParaRPr dirty="0" lang="en-US"/>
+          </a:p>
+        </p:txBody>
+      </p:sp>
+    </p:spTree>
+  </p:cSld>
+  <p:clrMapOvr>
+    <a:masterClrMapping/>
+  </p:clrMapOvr>
+</p:sld>
+</file>
+
+<file path=ppt/slides/slide3.xml><?xml version="1.0" encoding="utf-8"?>
+<p:sld xmlns:p="http://schemas.openxmlformats.org/presentationml/2006/main" xmlns:a="http://schemas.openxmlformats.org/drawingml/2006/main">
+  <p:cSld>
+    <p:spTree xmlns:r="http://schemas.openxmlformats.org/officeDocument/2006/relationships">
+      <p:nvGrpSpPr>
+        <p:cNvPr id="1" name=""/>
+        <p:cNvGrpSpPr/>
+        <p:nvPr/>
+      </p:nvGrpSpPr>
+      <p:grpSpPr>
+        <a:xfrm>
+          <a:off x="0" y="0"/>
+          <a:ext cx="0" cy="0"/>
+          <a:chOff x="0" y="0"/>
+          <a:chExt cx="0" cy="0"/>
+        </a:xfrm>
+      </p:grpSpPr>
+      <p:sp>
+        <p:nvSpPr>
+          <p:cNvPr id="2" name="Título 1"/>
+          <p:cNvSpPr>
+            <a:spLocks noGrp="1"/>
+          </p:cNvSpPr>
+          <p:nvPr>
+            <p:ph type="ctrTitle"/>
+          </p:nvPr>
+        </p:nvSpPr>
+        <p:spPr/>
+        <p:txBody>
+          <a:bodyPr/>
+          <a:lstStyle/>
+          <a:p>
+            <a:r>
+              <a:rPr dirty="0" lang="en-US" smtClean="0">
+                <a:solidFill>
+                  <a:srgbClr val="90C226"/>
+                </a:solidFill>
+              </a:rPr>
+              <a:t>@</a:t>
+            </a:r>
+            <a:r>
+              <a:rPr dirty="0" err="1" lang="en-US" smtClean="0">
+                <a:solidFill>
+                  <a:srgbClr val="90C226"/>
+                </a:solidFill>
+              </a:rPr>
+              <a:t>titulo</a:t>
+            </a:r>
+            <a:r>
+              <a:rPr dirty="0" lang="en-US" smtClean="0">
+                <a:solidFill>
+                  <a:srgbClr val="90C226"/>
+                </a:solidFill>
+              </a:rPr>
+              <a:t>@</a:t>
+            </a:r>
+            <a:endParaRPr dirty="0" lang="en-US"/>
+          </a:p>
+        </p:txBody>
+      </p:sp>
+      <p:sp>
+        <p:nvSpPr>
+          <p:cNvPr id="3" name="Subtítulo 2"/>
+          <p:cNvSpPr>
+            <a:spLocks noGrp="1"/>
+          </p:cNvSpPr>
+          <p:nvPr>
+            <p:ph idx="1" type="subTitle"/>
+          </p:nvPr>
+        </p:nvSpPr>
+        <p:spPr>
+          <a:xfrm>
+            <a:off x="1130595" y="4050836"/>
+            <a:ext cx="5826719" cy="1096899"/>
+          </a:xfrm>
+        </p:spPr>
+        <p:txBody>
+          <a:bodyPr/>
+          <a:lstStyle/>
+          <a:p>
+            <a:r>
+              <a:rPr dirty="0" lang="en-US" smtClean="0">
+                <a:solidFill>
+                  <a:scrgbClr r="21404" g="21404" b="21404"/>
+                </a:solidFill>
+              </a:rPr>
+              <a:t>@</a:t>
+            </a:r>
+            <a:r>
+              <a:rPr dirty="0" err="1" lang="en-US" smtClean="0">
+                <a:solidFill>
+                  <a:scrgbClr r="21404" g="21404" b="21404"/>
+                </a:solidFill>
+              </a:rPr>
+              <a:t>contenido</a:t>
+            </a:r>
+            <a:r>
+              <a:rPr dirty="0" lang="en-US" smtClean="0">
+                <a:solidFill>
+                  <a:scrgbClr r="21404" g="21404" b="21404"/>
+                </a:solidFill>
+              </a:rPr>
+              <a:t>@</a:t>
+            </a:r>
+            <a:endParaRPr dirty="0" lang="en-US"/>
+          </a:p>
+        </p:txBody>
+      </p:sp>
+    </p:spTree>
+  </p:cSld>
+  <p:clrMapOvr>
+    <a:masterClrMapping/>
+  </p:clrMapOvr>
+</p:sld>
+</file>
+
+<file path=ppt/slides/slide4.xml><?xml version="1.0" encoding="utf-8"?>
+<p:sld xmlns:p="http://schemas.openxmlformats.org/presentationml/2006/main" xmlns:a="http://schemas.openxmlformats.org/drawingml/2006/main">
+  <p:cSld>
+    <p:spTree xmlns:r="http://schemas.openxmlformats.org/officeDocument/2006/relationships">
+      <p:nvGrpSpPr>
+        <p:cNvPr id="1" name=""/>
+        <p:cNvGrpSpPr/>
+        <p:nvPr/>
+      </p:nvGrpSpPr>
+      <p:grpSpPr>
+        <a:xfrm>
+          <a:off x="0" y="0"/>
+          <a:ext cx="0" cy="0"/>
+          <a:chOff x="0" y="0"/>
+          <a:chExt cx="0" cy="0"/>
+        </a:xfrm>
+      </p:grpSpPr>
+      <p:sp>
+        <p:nvSpPr>
+          <p:cNvPr id="2" name="Título 1"/>
+          <p:cNvSpPr>
+            <a:spLocks noGrp="1"/>
+          </p:cNvSpPr>
+          <p:nvPr>
+            <p:ph type="ctrTitle"/>
+          </p:nvPr>
+        </p:nvSpPr>
+        <p:spPr/>
+        <p:txBody>
+          <a:bodyPr/>
+          <a:lstStyle/>
+          <a:p>
+            <a:r>
+              <a:rPr dirty="0" lang="en-US" smtClean="0">
+                <a:solidFill>
+                  <a:srgbClr val="90C226"/>
+                </a:solidFill>
+              </a:rPr>
+              <a:t>@</a:t>
+            </a:r>
+            <a:r>
+              <a:rPr dirty="0" err="1" lang="en-US" smtClean="0">
+                <a:solidFill>
+                  <a:srgbClr val="90C226"/>
+                </a:solidFill>
+              </a:rPr>
+              <a:t>titulo</a:t>
+            </a:r>
+            <a:r>
+              <a:rPr dirty="0" lang="en-US" smtClean="0">
+                <a:solidFill>
+                  <a:srgbClr val="90C226"/>
+                </a:solidFill>
+              </a:rPr>
+              <a:t>@</a:t>
+            </a:r>
+            <a:endParaRPr dirty="0" lang="en-US"/>
+          </a:p>
+        </p:txBody>
+      </p:sp>
+      <p:sp>
+        <p:nvSpPr>
+          <p:cNvPr id="3" name="Subtítulo 2"/>
+          <p:cNvSpPr>
+            <a:spLocks noGrp="1"/>
+          </p:cNvSpPr>
+          <p:nvPr>
+            <p:ph idx="1" type="subTitle"/>
+          </p:nvPr>
+        </p:nvSpPr>
+        <p:spPr>
+          <a:xfrm>
+            <a:off x="1130595" y="4050836"/>
+            <a:ext cx="5826719" cy="1096899"/>
+          </a:xfrm>
+        </p:spPr>
+        <p:txBody>
+          <a:bodyPr/>
+          <a:lstStyle/>
+          <a:p>
+            <a:r>
+              <a:rPr dirty="0" lang="en-US" smtClean="0">
+                <a:solidFill>
+                  <a:scrgbClr r="21404" g="21404" b="21404"/>
+                </a:solidFill>
+              </a:rPr>
+              <a:t>@</a:t>
+            </a:r>
+            <a:r>
+              <a:rPr dirty="0" err="1" lang="en-US" smtClean="0">
+                <a:solidFill>
+                  <a:scrgbClr r="21404" g="21404" b="21404"/>
+                </a:solidFill>
+              </a:rPr>
+              <a:t>contenido</a:t>
+            </a:r>
+            <a:r>
+              <a:rPr dirty="0" lang="en-US" smtClean="0">
+                <a:solidFill>
+                  <a:scrgbClr r="21404" g="21404" b="21404"/>
+                </a:solidFill>
+              </a:rPr>
+              <a:t>@</a:t>
+            </a:r>
+            <a:endParaRPr dirty="0" lang="en-US"/>
+          </a:p>
+        </p:txBody>
+      </p:sp>
+    </p:spTree>
+  </p:cSld>
+  <p:clrMapOvr>
+    <a:masterClrMapping/>
+  </p:clrMapOvr>
+</p:sld>
+</file>
+
+<file path=ppt/slides/slide5.xml><?xml version="1.0" encoding="utf-8"?>
+<p:sld xmlns:p="http://schemas.openxmlformats.org/presentationml/2006/main" xmlns:a="http://schemas.openxmlformats.org/drawingml/2006/main">
+  <p:cSld>
+    <p:spTree xmlns:r="http://schemas.openxmlformats.org/officeDocument/2006/relationships">
+      <p:nvGrpSpPr>
+        <p:cNvPr id="1" name=""/>
+        <p:cNvGrpSpPr/>
+        <p:nvPr/>
+      </p:nvGrpSpPr>
+      <p:grpSpPr>
+        <a:xfrm>
+          <a:off x="0" y="0"/>
+          <a:ext cx="0" cy="0"/>
+          <a:chOff x="0" y="0"/>
+          <a:chExt cx="0" cy="0"/>
+        </a:xfrm>
+      </p:grpSpPr>
+      <p:sp>
+        <p:nvSpPr>
+          <p:cNvPr id="2" name="Título 1"/>
+          <p:cNvSpPr>
+            <a:spLocks noGrp="1"/>
+          </p:cNvSpPr>
+          <p:nvPr>
+            <p:ph type="ctrTitle"/>
+          </p:nvPr>
+        </p:nvSpPr>
+        <p:spPr/>
+        <p:txBody>
+          <a:bodyPr/>
+          <a:lstStyle/>
+          <a:p>
+            <a:r>
+              <a:rPr dirty="0" lang="en-US" smtClean="0">
+                <a:solidFill>
+                  <a:srgbClr val="90C226"/>
+                </a:solidFill>
+              </a:rPr>
+              <a:t>@</a:t>
+            </a:r>
+            <a:r>
+              <a:rPr dirty="0" err="1" lang="en-US" smtClean="0">
+                <a:solidFill>
+                  <a:srgbClr val="90C226"/>
+                </a:solidFill>
+              </a:rPr>
+              <a:t>titulo</a:t>
+            </a:r>
+            <a:r>
+              <a:rPr dirty="0" lang="en-US" smtClean="0">
+                <a:solidFill>
+                  <a:srgbClr val="90C226"/>
+                </a:solidFill>
+              </a:rPr>
+              <a:t>@</a:t>
+            </a:r>
+            <a:endParaRPr dirty="0" lang="en-US"/>
+          </a:p>
+        </p:txBody>
+      </p:sp>
+      <p:sp>
+        <p:nvSpPr>
+          <p:cNvPr id="3" name="Subtítulo 2"/>
+          <p:cNvSpPr>
+            <a:spLocks noGrp="1"/>
+          </p:cNvSpPr>
+          <p:nvPr>
+            <p:ph idx="1" type="subTitle"/>
+          </p:nvPr>
+        </p:nvSpPr>
+        <p:spPr>
+          <a:xfrm>
+            <a:off x="1130595" y="4050836"/>
+            <a:ext cx="5826719" cy="1096899"/>
+          </a:xfrm>
+        </p:spPr>
+        <p:txBody>
+          <a:bodyPr/>
+          <a:lstStyle/>
+          <a:p>
+            <a:r>
+              <a:rPr dirty="0" lang="en-US" smtClean="0">
+                <a:solidFill>
+                  <a:scrgbClr r="21404" g="21404" b="21404"/>
+                </a:solidFill>
+              </a:rPr>
+              <a:t>@</a:t>
+            </a:r>
+            <a:r>
+              <a:rPr dirty="0" err="1" lang="en-US" smtClean="0">
+                <a:solidFill>
+                  <a:scrgbClr r="21404" g="21404" b="21404"/>
+                </a:solidFill>
+              </a:rPr>
+              <a:t>contenido</a:t>
+            </a:r>
+            <a:r>
+              <a:rPr dirty="0" lang="en-US" smtClean="0">
+                <a:solidFill>
+                  <a:scrgbClr r="21404" g="21404" b="21404"/>
+                </a:solidFill>
+              </a:rPr>
+              <a:t>@</a:t>
+            </a:r>
+            <a:endParaRPr dirty="0" lang="en-US"/>
+          </a:p>
+        </p:txBody>
+      </p:sp>
+    </p:spTree>
+  </p:cSld>
+  <p:clrMapOvr>
+    <a:masterClrMapping/>
+  </p:clrMapOvr>
 </p:sld>
 </file>
 
@@ -6165,10 +7465,10 @@
   <a:themeElements>
     <a:clrScheme name="Faceta">
       <a:dk1>
-        <a:sysClr val="windowText" lastClr="000000"/>
+        <a:sysClr lastClr="000000" val="windowText"/>
       </a:dk1>
       <a:lt1>
-        <a:sysClr val="window" lastClr="FFFFFF"/>
+        <a:sysClr lastClr="FFFFFF" val="window"/>
       </a:lt1>
       <a:dk2>
         <a:srgbClr val="2C3C43"/>
@@ -6203,7 +7503,7 @@
     </a:clrScheme>
     <a:fontScheme name="Faceta">
       <a:majorFont>
-        <a:latin typeface="Trebuchet MS" panose="020B0603020202020204"/>
+        <a:latin panose="020B0603020202020204" typeface="Trebuchet MS"/>
         <a:ea typeface=""/>
         <a:cs typeface=""/>
         <a:font script="Jpan" typeface="メイリオ"/>
@@ -6238,7 +7538,7 @@
         <a:font script="Geor" typeface="Sylfaen"/>
       </a:majorFont>
       <a:minorFont>
-        <a:latin typeface="Trebuchet MS" panose="020B0603020202020204"/>
+        <a:latin panose="020B0603020202020204" typeface="Trebuchet MS"/>
         <a:ea typeface=""/>
         <a:cs typeface=""/>
         <a:font script="Jpan" typeface="メイリオ"/>
@@ -6313,19 +7613,19 @@
         </a:gradFill>
       </a:fillStyleLst>
       <a:lnStyleLst>
-        <a:ln w="12700" cap="rnd" cmpd="sng" algn="ctr">
+        <a:ln algn="ctr" cap="rnd" cmpd="sng" w="12700">
           <a:solidFill>
             <a:schemeClr val="phClr"/>
           </a:solidFill>
           <a:prstDash val="solid"/>
         </a:ln>
-        <a:ln w="19050" cap="rnd" cmpd="sng" algn="ctr">
+        <a:ln algn="ctr" cap="rnd" cmpd="sng" w="19050">
           <a:solidFill>
             <a:schemeClr val="phClr"/>
           </a:solidFill>
           <a:prstDash val="solid"/>
         </a:ln>
-        <a:ln w="25400" cap="rnd" cmpd="sng" algn="ctr">
+        <a:ln algn="ctr" cap="rnd" cmpd="sng" w="25400">
           <a:solidFill>
             <a:schemeClr val="phClr"/>
           </a:solidFill>
@@ -6338,7 +7638,7 @@
         </a:effectStyle>
         <a:effectStyle>
           <a:effectLst>
-            <a:outerShdw blurRad="38100" dist="25400" dir="5400000" rotWithShape="0">
+            <a:outerShdw blurRad="38100" dir="5400000" dist="25400" rotWithShape="0">
               <a:srgbClr val="000000">
                 <a:alpha val="35000"/>
               </a:srgbClr>
@@ -6347,7 +7647,7 @@
         </a:effectStyle>
         <a:effectStyle>
           <a:effectLst>
-            <a:outerShdw blurRad="50800" dist="38100" dir="5400000" rotWithShape="0">
+            <a:outerShdw blurRad="50800" dir="5400000" dist="38100" rotWithShape="0">
               <a:srgbClr val="000000">
                 <a:alpha val="35000"/>
               </a:srgbClr>
@@ -6357,10 +7657,10 @@
             <a:camera prst="orthographicFront">
               <a:rot lat="0" lon="0" rev="0"/>
             </a:camera>
-            <a:lightRig rig="threePt" dir="tl"/>
+            <a:lightRig dir="tl" rig="threePt"/>
           </a:scene3d>
           <a:sp3d prstMaterial="plastic">
-            <a:bevelT w="0" h="0"/>
+            <a:bevelT h="0" w="0"/>
           </a:sp3d>
         </a:effectStyle>
       </a:effectStyleLst>
@@ -6401,7 +7701,7 @@
             </a:gs>
           </a:gsLst>
           <a:path path="circle">
-            <a:fillToRect l="50000" t="50000" r="100000" b="100000"/>
+            <a:fillToRect b="100000" l="50000" r="100000" t="50000"/>
           </a:path>
         </a:gradFill>
       </a:bgFillStyleLst>
@@ -6411,7 +7711,7 @@
   <a:extraClrSchemeLst/>
   <a:extLst>
     <a:ext uri="{05A4C25C-085E-4340-85A3-A5531E510DB2}">
-      <thm15:themeFamily xmlns:thm15="http://schemas.microsoft.com/office/thememl/2012/main" name="Facet" id="{C0C680CD-088A-49FC-A102-D699147F32B2}" vid="{CFBC31BA-B70F-4F30-BCAA-4F3011E16C4D}"/>
+      <thm15:themeFamily xmlns:thm15="http://schemas.microsoft.com/office/thememl/2012/main" id="{C0C680CD-088A-49FC-A102-D699147F32B2}" name="Facet" vid="{CFBC31BA-B70F-4F30-BCAA-4F3011E16C4D}"/>
     </a:ext>
   </a:extLst>
 </a:theme>
